--- a/tutorial/T02/tut02.pptx
+++ b/tutorial/T02/tut02.pptx
@@ -11,8 +11,8 @@
     <p:sldId id="259" r:id="rId5"/>
     <p:sldId id="273" r:id="rId6"/>
     <p:sldId id="274" r:id="rId7"/>
-    <p:sldId id="275" r:id="rId8"/>
-    <p:sldId id="276" r:id="rId9"/>
+    <p:sldId id="281" r:id="rId8"/>
+    <p:sldId id="275" r:id="rId9"/>
     <p:sldId id="277" r:id="rId10"/>
     <p:sldId id="278" r:id="rId11"/>
     <p:sldId id="279" r:id="rId12"/>
@@ -127,14 +127,251 @@
 <file path=ppt/revisionInfo.xml><?xml version="1.0" encoding="utf-8"?>
 <p1510:revInfo xmlns:a="http://schemas.openxmlformats.org/drawingml/2006/main" xmlns:r="http://schemas.openxmlformats.org/officeDocument/2006/relationships" xmlns:p1510="http://schemas.microsoft.com/office/powerpoint/2015/10/main">
   <p1510:revLst>
-    <p1510:client id="{1A9491C6-FD31-4FA7-98FA-39E25D0B6578}" v="12" dt="2022-01-09T11:29:04.756"/>
-    <p1510:client id="{A2A67607-707D-9A4B-B498-57C0CB8C6AF6}" v="85" dt="2022-01-09T09:17:51.271"/>
+    <p1510:client id="{0F84402B-494A-D841-9A43-F49E88B6429E}" v="42" dt="2022-01-20T01:06:45.773"/>
   </p1510:revLst>
 </p1510:revInfo>
 </file>
 
 <file path=ppt/changesInfos/changesInfo1.xml><?xml version="1.0" encoding="utf-8"?>
 <pc:chgInfo xmlns:a="http://schemas.openxmlformats.org/drawingml/2006/main" xmlns:r="http://schemas.openxmlformats.org/officeDocument/2006/relationships" xmlns:ac="http://schemas.microsoft.com/office/drawing/2013/main/command" xmlns:pc="http://schemas.microsoft.com/office/powerpoint/2013/main/command">
+  <pc:docChgLst>
+    <pc:chgData name="Qingyu Song" userId="O4NG2utMRSC9bShTQouuMd1Uq3x00QhxVtEheGSGOoU=" providerId="None" clId="Web-{1A9491C6-FD31-4FA7-98FA-39E25D0B6578}"/>
+    <pc:docChg chg="modSld">
+      <pc:chgData name="Qingyu Song" userId="O4NG2utMRSC9bShTQouuMd1Uq3x00QhxVtEheGSGOoU=" providerId="None" clId="Web-{1A9491C6-FD31-4FA7-98FA-39E25D0B6578}" dt="2022-01-09T11:29:04.756" v="11" actId="20577"/>
+      <pc:docMkLst>
+        <pc:docMk/>
+      </pc:docMkLst>
+      <pc:sldChg chg="modSp">
+        <pc:chgData name="Qingyu Song" userId="O4NG2utMRSC9bShTQouuMd1Uq3x00QhxVtEheGSGOoU=" providerId="None" clId="Web-{1A9491C6-FD31-4FA7-98FA-39E25D0B6578}" dt="2022-01-09T11:29:04.756" v="11" actId="20577"/>
+        <pc:sldMkLst>
+          <pc:docMk/>
+          <pc:sldMk cId="1947847713" sldId="257"/>
+        </pc:sldMkLst>
+        <pc:spChg chg="mod">
+          <ac:chgData name="Qingyu Song" userId="O4NG2utMRSC9bShTQouuMd1Uq3x00QhxVtEheGSGOoU=" providerId="None" clId="Web-{1A9491C6-FD31-4FA7-98FA-39E25D0B6578}" dt="2022-01-09T11:29:04.756" v="11" actId="20577"/>
+          <ac:spMkLst>
+            <pc:docMk/>
+            <pc:sldMk cId="1947847713" sldId="257"/>
+            <ac:spMk id="3" creationId="{8F20472D-613F-3748-9CBD-88055CDB4B08}"/>
+          </ac:spMkLst>
+        </pc:spChg>
+      </pc:sldChg>
+    </pc:docChg>
+  </pc:docChgLst>
+  <pc:docChgLst>
+    <pc:chgData name="SONG, Qingyu" userId="498998f4-7f18-4549-a740-dcfb6e1e3d22" providerId="ADAL" clId="{0F84402B-494A-D841-9A43-F49E88B6429E}"/>
+    <pc:docChg chg="undo redo custSel addSld delSld modSld">
+      <pc:chgData name="SONG, Qingyu" userId="498998f4-7f18-4549-a740-dcfb6e1e3d22" providerId="ADAL" clId="{0F84402B-494A-D841-9A43-F49E88B6429E}" dt="2022-01-20T01:06:45.773" v="90"/>
+      <pc:docMkLst>
+        <pc:docMk/>
+      </pc:docMkLst>
+      <pc:sldChg chg="addSp">
+        <pc:chgData name="SONG, Qingyu" userId="498998f4-7f18-4549-a740-dcfb6e1e3d22" providerId="ADAL" clId="{0F84402B-494A-D841-9A43-F49E88B6429E}" dt="2022-01-19T14:28:08.480" v="0"/>
+        <pc:sldMkLst>
+          <pc:docMk/>
+          <pc:sldMk cId="356419186" sldId="256"/>
+        </pc:sldMkLst>
+        <pc:picChg chg="add">
+          <ac:chgData name="SONG, Qingyu" userId="498998f4-7f18-4549-a740-dcfb6e1e3d22" providerId="ADAL" clId="{0F84402B-494A-D841-9A43-F49E88B6429E}" dt="2022-01-19T14:28:08.480" v="0"/>
+          <ac:picMkLst>
+            <pc:docMk/>
+            <pc:sldMk cId="356419186" sldId="256"/>
+            <ac:picMk id="6" creationId="{919BED88-AA1D-3144-ABB6-9C775BCC2765}"/>
+          </ac:picMkLst>
+        </pc:picChg>
+      </pc:sldChg>
+      <pc:sldChg chg="modSp mod">
+        <pc:chgData name="SONG, Qingyu" userId="498998f4-7f18-4549-a740-dcfb6e1e3d22" providerId="ADAL" clId="{0F84402B-494A-D841-9A43-F49E88B6429E}" dt="2022-01-19T14:28:15.459" v="2" actId="20577"/>
+        <pc:sldMkLst>
+          <pc:docMk/>
+          <pc:sldMk cId="1947847713" sldId="257"/>
+        </pc:sldMkLst>
+        <pc:spChg chg="mod">
+          <ac:chgData name="SONG, Qingyu" userId="498998f4-7f18-4549-a740-dcfb6e1e3d22" providerId="ADAL" clId="{0F84402B-494A-D841-9A43-F49E88B6429E}" dt="2022-01-19T14:28:15.459" v="2" actId="20577"/>
+          <ac:spMkLst>
+            <pc:docMk/>
+            <pc:sldMk cId="1947847713" sldId="257"/>
+            <ac:spMk id="3" creationId="{8F20472D-613F-3748-9CBD-88055CDB4B08}"/>
+          </ac:spMkLst>
+        </pc:spChg>
+      </pc:sldChg>
+      <pc:sldChg chg="modSp mod">
+        <pc:chgData name="SONG, Qingyu" userId="498998f4-7f18-4549-a740-dcfb6e1e3d22" providerId="ADAL" clId="{0F84402B-494A-D841-9A43-F49E88B6429E}" dt="2022-01-19T14:28:33.707" v="8" actId="20577"/>
+        <pc:sldMkLst>
+          <pc:docMk/>
+          <pc:sldMk cId="440415094" sldId="258"/>
+        </pc:sldMkLst>
+        <pc:spChg chg="mod">
+          <ac:chgData name="SONG, Qingyu" userId="498998f4-7f18-4549-a740-dcfb6e1e3d22" providerId="ADAL" clId="{0F84402B-494A-D841-9A43-F49E88B6429E}" dt="2022-01-19T14:28:33.707" v="8" actId="20577"/>
+          <ac:spMkLst>
+            <pc:docMk/>
+            <pc:sldMk cId="440415094" sldId="258"/>
+            <ac:spMk id="3" creationId="{8F20472D-613F-3748-9CBD-88055CDB4B08}"/>
+          </ac:spMkLst>
+        </pc:spChg>
+      </pc:sldChg>
+      <pc:sldChg chg="modSp mod">
+        <pc:chgData name="SONG, Qingyu" userId="498998f4-7f18-4549-a740-dcfb6e1e3d22" providerId="ADAL" clId="{0F84402B-494A-D841-9A43-F49E88B6429E}" dt="2022-01-19T14:52:36.846" v="53" actId="20577"/>
+        <pc:sldMkLst>
+          <pc:docMk/>
+          <pc:sldMk cId="746100141" sldId="274"/>
+        </pc:sldMkLst>
+        <pc:spChg chg="mod">
+          <ac:chgData name="SONG, Qingyu" userId="498998f4-7f18-4549-a740-dcfb6e1e3d22" providerId="ADAL" clId="{0F84402B-494A-D841-9A43-F49E88B6429E}" dt="2022-01-19T14:30:51.589" v="9" actId="20577"/>
+          <ac:spMkLst>
+            <pc:docMk/>
+            <pc:sldMk cId="746100141" sldId="274"/>
+            <ac:spMk id="2" creationId="{45C79BA1-37A3-5741-B0A1-E64646E4283C}"/>
+          </ac:spMkLst>
+        </pc:spChg>
+        <pc:spChg chg="mod">
+          <ac:chgData name="SONG, Qingyu" userId="498998f4-7f18-4549-a740-dcfb6e1e3d22" providerId="ADAL" clId="{0F84402B-494A-D841-9A43-F49E88B6429E}" dt="2022-01-19T14:52:36.846" v="53" actId="20577"/>
+          <ac:spMkLst>
+            <pc:docMk/>
+            <pc:sldMk cId="746100141" sldId="274"/>
+            <ac:spMk id="3" creationId="{8F20472D-613F-3748-9CBD-88055CDB4B08}"/>
+          </ac:spMkLst>
+        </pc:spChg>
+      </pc:sldChg>
+      <pc:sldChg chg="modSp mod modAnim">
+        <pc:chgData name="SONG, Qingyu" userId="498998f4-7f18-4549-a740-dcfb6e1e3d22" providerId="ADAL" clId="{0F84402B-494A-D841-9A43-F49E88B6429E}" dt="2022-01-19T14:53:09.710" v="57" actId="20577"/>
+        <pc:sldMkLst>
+          <pc:docMk/>
+          <pc:sldMk cId="442365464" sldId="275"/>
+        </pc:sldMkLst>
+        <pc:spChg chg="mod">
+          <ac:chgData name="SONG, Qingyu" userId="498998f4-7f18-4549-a740-dcfb6e1e3d22" providerId="ADAL" clId="{0F84402B-494A-D841-9A43-F49E88B6429E}" dt="2022-01-19T14:30:56.113" v="10"/>
+          <ac:spMkLst>
+            <pc:docMk/>
+            <pc:sldMk cId="442365464" sldId="275"/>
+            <ac:spMk id="2" creationId="{45C79BA1-37A3-5741-B0A1-E64646E4283C}"/>
+          </ac:spMkLst>
+        </pc:spChg>
+        <pc:spChg chg="mod">
+          <ac:chgData name="SONG, Qingyu" userId="498998f4-7f18-4549-a740-dcfb6e1e3d22" providerId="ADAL" clId="{0F84402B-494A-D841-9A43-F49E88B6429E}" dt="2022-01-19T14:53:09.710" v="57" actId="20577"/>
+          <ac:spMkLst>
+            <pc:docMk/>
+            <pc:sldMk cId="442365464" sldId="275"/>
+            <ac:spMk id="3" creationId="{8F20472D-613F-3748-9CBD-88055CDB4B08}"/>
+          </ac:spMkLst>
+        </pc:spChg>
+        <pc:spChg chg="mod">
+          <ac:chgData name="SONG, Qingyu" userId="498998f4-7f18-4549-a740-dcfb6e1e3d22" providerId="ADAL" clId="{0F84402B-494A-D841-9A43-F49E88B6429E}" dt="2022-01-19T14:52:30.806" v="49" actId="1036"/>
+          <ac:spMkLst>
+            <pc:docMk/>
+            <pc:sldMk cId="442365464" sldId="275"/>
+            <ac:spMk id="7" creationId="{B4F2FCAB-565E-4178-BECE-B014B8B03F74}"/>
+          </ac:spMkLst>
+        </pc:spChg>
+      </pc:sldChg>
+      <pc:sldChg chg="modSp del">
+        <pc:chgData name="SONG, Qingyu" userId="498998f4-7f18-4549-a740-dcfb6e1e3d22" providerId="ADAL" clId="{0F84402B-494A-D841-9A43-F49E88B6429E}" dt="2022-01-19T14:53:04.928" v="55" actId="2696"/>
+        <pc:sldMkLst>
+          <pc:docMk/>
+          <pc:sldMk cId="3494430642" sldId="276"/>
+        </pc:sldMkLst>
+        <pc:spChg chg="mod">
+          <ac:chgData name="SONG, Qingyu" userId="498998f4-7f18-4549-a740-dcfb6e1e3d22" providerId="ADAL" clId="{0F84402B-494A-D841-9A43-F49E88B6429E}" dt="2022-01-19T14:31:04.578" v="12"/>
+          <ac:spMkLst>
+            <pc:docMk/>
+            <pc:sldMk cId="3494430642" sldId="276"/>
+            <ac:spMk id="2" creationId="{45C79BA1-37A3-5741-B0A1-E64646E4283C}"/>
+          </ac:spMkLst>
+        </pc:spChg>
+      </pc:sldChg>
+      <pc:sldChg chg="modSp mod">
+        <pc:chgData name="SONG, Qingyu" userId="498998f4-7f18-4549-a740-dcfb6e1e3d22" providerId="ADAL" clId="{0F84402B-494A-D841-9A43-F49E88B6429E}" dt="2022-01-20T01:06:31.128" v="89" actId="20577"/>
+        <pc:sldMkLst>
+          <pc:docMk/>
+          <pc:sldMk cId="4278079293" sldId="277"/>
+        </pc:sldMkLst>
+        <pc:spChg chg="mod">
+          <ac:chgData name="SONG, Qingyu" userId="498998f4-7f18-4549-a740-dcfb6e1e3d22" providerId="ADAL" clId="{0F84402B-494A-D841-9A43-F49E88B6429E}" dt="2022-01-19T14:31:06.498" v="13" actId="20577"/>
+          <ac:spMkLst>
+            <pc:docMk/>
+            <pc:sldMk cId="4278079293" sldId="277"/>
+            <ac:spMk id="2" creationId="{45C79BA1-37A3-5741-B0A1-E64646E4283C}"/>
+          </ac:spMkLst>
+        </pc:spChg>
+        <pc:spChg chg="mod">
+          <ac:chgData name="SONG, Qingyu" userId="498998f4-7f18-4549-a740-dcfb6e1e3d22" providerId="ADAL" clId="{0F84402B-494A-D841-9A43-F49E88B6429E}" dt="2022-01-20T01:06:31.128" v="89" actId="20577"/>
+          <ac:spMkLst>
+            <pc:docMk/>
+            <pc:sldMk cId="4278079293" sldId="277"/>
+            <ac:spMk id="3" creationId="{8F20472D-613F-3748-9CBD-88055CDB4B08}"/>
+          </ac:spMkLst>
+        </pc:spChg>
+      </pc:sldChg>
+      <pc:sldChg chg="modSp">
+        <pc:chgData name="SONG, Qingyu" userId="498998f4-7f18-4549-a740-dcfb6e1e3d22" providerId="ADAL" clId="{0F84402B-494A-D841-9A43-F49E88B6429E}" dt="2022-01-19T14:31:13.089" v="14"/>
+        <pc:sldMkLst>
+          <pc:docMk/>
+          <pc:sldMk cId="3882663473" sldId="278"/>
+        </pc:sldMkLst>
+        <pc:spChg chg="mod">
+          <ac:chgData name="SONG, Qingyu" userId="498998f4-7f18-4549-a740-dcfb6e1e3d22" providerId="ADAL" clId="{0F84402B-494A-D841-9A43-F49E88B6429E}" dt="2022-01-19T14:31:13.089" v="14"/>
+          <ac:spMkLst>
+            <pc:docMk/>
+            <pc:sldMk cId="3882663473" sldId="278"/>
+            <ac:spMk id="2" creationId="{45C79BA1-37A3-5741-B0A1-E64646E4283C}"/>
+          </ac:spMkLst>
+        </pc:spChg>
+      </pc:sldChg>
+      <pc:sldChg chg="modSp mod">
+        <pc:chgData name="SONG, Qingyu" userId="498998f4-7f18-4549-a740-dcfb6e1e3d22" providerId="ADAL" clId="{0F84402B-494A-D841-9A43-F49E88B6429E}" dt="2022-01-20T01:06:45.773" v="90"/>
+        <pc:sldMkLst>
+          <pc:docMk/>
+          <pc:sldMk cId="3927078520" sldId="279"/>
+        </pc:sldMkLst>
+        <pc:spChg chg="mod">
+          <ac:chgData name="SONG, Qingyu" userId="498998f4-7f18-4549-a740-dcfb6e1e3d22" providerId="ADAL" clId="{0F84402B-494A-D841-9A43-F49E88B6429E}" dt="2022-01-19T14:31:16.215" v="15"/>
+          <ac:spMkLst>
+            <pc:docMk/>
+            <pc:sldMk cId="3927078520" sldId="279"/>
+            <ac:spMk id="2" creationId="{45C79BA1-37A3-5741-B0A1-E64646E4283C}"/>
+          </ac:spMkLst>
+        </pc:spChg>
+        <pc:spChg chg="mod">
+          <ac:chgData name="SONG, Qingyu" userId="498998f4-7f18-4549-a740-dcfb6e1e3d22" providerId="ADAL" clId="{0F84402B-494A-D841-9A43-F49E88B6429E}" dt="2022-01-20T01:06:45.773" v="90"/>
+          <ac:spMkLst>
+            <pc:docMk/>
+            <pc:sldMk cId="3927078520" sldId="279"/>
+            <ac:spMk id="3" creationId="{8F20472D-613F-3748-9CBD-88055CDB4B08}"/>
+          </ac:spMkLst>
+        </pc:spChg>
+      </pc:sldChg>
+      <pc:sldChg chg="modSp">
+        <pc:chgData name="SONG, Qingyu" userId="498998f4-7f18-4549-a740-dcfb6e1e3d22" providerId="ADAL" clId="{0F84402B-494A-D841-9A43-F49E88B6429E}" dt="2022-01-19T14:31:20.046" v="16"/>
+        <pc:sldMkLst>
+          <pc:docMk/>
+          <pc:sldMk cId="1261831385" sldId="280"/>
+        </pc:sldMkLst>
+        <pc:spChg chg="mod">
+          <ac:chgData name="SONG, Qingyu" userId="498998f4-7f18-4549-a740-dcfb6e1e3d22" providerId="ADAL" clId="{0F84402B-494A-D841-9A43-F49E88B6429E}" dt="2022-01-19T14:31:20.046" v="16"/>
+          <ac:spMkLst>
+            <pc:docMk/>
+            <pc:sldMk cId="1261831385" sldId="280"/>
+            <ac:spMk id="2" creationId="{45C79BA1-37A3-5741-B0A1-E64646E4283C}"/>
+          </ac:spMkLst>
+        </pc:spChg>
+      </pc:sldChg>
+      <pc:sldChg chg="modSp add mod">
+        <pc:chgData name="SONG, Qingyu" userId="498998f4-7f18-4549-a740-dcfb6e1e3d22" providerId="ADAL" clId="{0F84402B-494A-D841-9A43-F49E88B6429E}" dt="2022-01-19T14:55:18" v="62" actId="20577"/>
+        <pc:sldMkLst>
+          <pc:docMk/>
+          <pc:sldMk cId="11664182" sldId="281"/>
+        </pc:sldMkLst>
+        <pc:spChg chg="mod">
+          <ac:chgData name="SONG, Qingyu" userId="498998f4-7f18-4549-a740-dcfb6e1e3d22" providerId="ADAL" clId="{0F84402B-494A-D841-9A43-F49E88B6429E}" dt="2022-01-19T14:55:18" v="62" actId="20577"/>
+          <ac:spMkLst>
+            <pc:docMk/>
+            <pc:sldMk cId="11664182" sldId="281"/>
+            <ac:spMk id="3" creationId="{8F20472D-613F-3748-9CBD-88055CDB4B08}"/>
+          </ac:spMkLst>
+        </pc:spChg>
+      </pc:sldChg>
+    </pc:docChg>
+  </pc:docChgLst>
   <pc:docChgLst>
     <pc:chgData name="SONG, Qingyu" userId="498998f4-7f18-4549-a740-dcfb6e1e3d22" providerId="ADAL" clId="{A2A67607-707D-9A4B-B498-57C0CB8C6AF6}"/>
     <pc:docChg chg="undo custSel addSld delSld modSld">
@@ -774,30 +1011,6 @@
             <pc:docMk/>
             <pc:sldMk cId="3216618933" sldId="272"/>
             <ac:spMk id="4" creationId="{A8D2CAE8-E323-A14E-A62F-188A25405FEA}"/>
-          </ac:spMkLst>
-        </pc:spChg>
-      </pc:sldChg>
-    </pc:docChg>
-  </pc:docChgLst>
-  <pc:docChgLst>
-    <pc:chgData name="Qingyu Song" userId="O4NG2utMRSC9bShTQouuMd1Uq3x00QhxVtEheGSGOoU=" providerId="None" clId="Web-{1A9491C6-FD31-4FA7-98FA-39E25D0B6578}"/>
-    <pc:docChg chg="modSld">
-      <pc:chgData name="Qingyu Song" userId="O4NG2utMRSC9bShTQouuMd1Uq3x00QhxVtEheGSGOoU=" providerId="None" clId="Web-{1A9491C6-FD31-4FA7-98FA-39E25D0B6578}" dt="2022-01-09T11:29:04.756" v="11" actId="20577"/>
-      <pc:docMkLst>
-        <pc:docMk/>
-      </pc:docMkLst>
-      <pc:sldChg chg="modSp">
-        <pc:chgData name="Qingyu Song" userId="O4NG2utMRSC9bShTQouuMd1Uq3x00QhxVtEheGSGOoU=" providerId="None" clId="Web-{1A9491C6-FD31-4FA7-98FA-39E25D0B6578}" dt="2022-01-09T11:29:04.756" v="11" actId="20577"/>
-        <pc:sldMkLst>
-          <pc:docMk/>
-          <pc:sldMk cId="1947847713" sldId="257"/>
-        </pc:sldMkLst>
-        <pc:spChg chg="mod">
-          <ac:chgData name="Qingyu Song" userId="O4NG2utMRSC9bShTQouuMd1Uq3x00QhxVtEheGSGOoU=" providerId="None" clId="Web-{1A9491C6-FD31-4FA7-98FA-39E25D0B6578}" dt="2022-01-09T11:29:04.756" v="11" actId="20577"/>
-          <ac:spMkLst>
-            <pc:docMk/>
-            <pc:sldMk cId="1947847713" sldId="257"/>
-            <ac:spMk id="3" creationId="{8F20472D-613F-3748-9CBD-88055CDB4B08}"/>
           </ac:spMkLst>
         </pc:spChg>
       </pc:sldChg>
@@ -955,7 +1168,7 @@
           <a:p>
             <a:fld id="{2425905D-C0C4-D040-B3F5-79CCA23FA4EB}" type="datetimeFigureOut">
               <a:rPr lang="en-US" smtClean="0"/>
-              <a:t>1/10/2022</a:t>
+              <a:t>1/20/22</a:t>
             </a:fld>
             <a:endParaRPr lang="en-US"/>
           </a:p>
@@ -1155,7 +1368,7 @@
           <a:p>
             <a:fld id="{2425905D-C0C4-D040-B3F5-79CCA23FA4EB}" type="datetimeFigureOut">
               <a:rPr lang="en-US" smtClean="0"/>
-              <a:t>1/10/2022</a:t>
+              <a:t>1/20/22</a:t>
             </a:fld>
             <a:endParaRPr lang="en-US"/>
           </a:p>
@@ -1365,7 +1578,7 @@
           <a:p>
             <a:fld id="{2425905D-C0C4-D040-B3F5-79CCA23FA4EB}" type="datetimeFigureOut">
               <a:rPr lang="en-US" smtClean="0"/>
-              <a:t>1/10/2022</a:t>
+              <a:t>1/20/22</a:t>
             </a:fld>
             <a:endParaRPr lang="en-US"/>
           </a:p>
@@ -1565,7 +1778,7 @@
           <a:p>
             <a:fld id="{2425905D-C0C4-D040-B3F5-79CCA23FA4EB}" type="datetimeFigureOut">
               <a:rPr lang="en-US" smtClean="0"/>
-              <a:t>1/10/2022</a:t>
+              <a:t>1/20/22</a:t>
             </a:fld>
             <a:endParaRPr lang="en-US"/>
           </a:p>
@@ -1841,7 +2054,7 @@
           <a:p>
             <a:fld id="{2425905D-C0C4-D040-B3F5-79CCA23FA4EB}" type="datetimeFigureOut">
               <a:rPr lang="en-US" smtClean="0"/>
-              <a:t>1/10/2022</a:t>
+              <a:t>1/20/22</a:t>
             </a:fld>
             <a:endParaRPr lang="en-US"/>
           </a:p>
@@ -2109,7 +2322,7 @@
           <a:p>
             <a:fld id="{2425905D-C0C4-D040-B3F5-79CCA23FA4EB}" type="datetimeFigureOut">
               <a:rPr lang="en-US" smtClean="0"/>
-              <a:t>1/10/2022</a:t>
+              <a:t>1/20/22</a:t>
             </a:fld>
             <a:endParaRPr lang="en-US"/>
           </a:p>
@@ -2524,7 +2737,7 @@
           <a:p>
             <a:fld id="{2425905D-C0C4-D040-B3F5-79CCA23FA4EB}" type="datetimeFigureOut">
               <a:rPr lang="en-US" smtClean="0"/>
-              <a:t>1/10/2022</a:t>
+              <a:t>1/20/22</a:t>
             </a:fld>
             <a:endParaRPr lang="en-US"/>
           </a:p>
@@ -2666,7 +2879,7 @@
           <a:p>
             <a:fld id="{2425905D-C0C4-D040-B3F5-79CCA23FA4EB}" type="datetimeFigureOut">
               <a:rPr lang="en-US" smtClean="0"/>
-              <a:t>1/10/2022</a:t>
+              <a:t>1/20/22</a:t>
             </a:fld>
             <a:endParaRPr lang="en-US"/>
           </a:p>
@@ -2779,7 +2992,7 @@
           <a:p>
             <a:fld id="{2425905D-C0C4-D040-B3F5-79CCA23FA4EB}" type="datetimeFigureOut">
               <a:rPr lang="en-US" smtClean="0"/>
-              <a:t>1/10/2022</a:t>
+              <a:t>1/20/22</a:t>
             </a:fld>
             <a:endParaRPr lang="en-US"/>
           </a:p>
@@ -3092,7 +3305,7 @@
           <a:p>
             <a:fld id="{2425905D-C0C4-D040-B3F5-79CCA23FA4EB}" type="datetimeFigureOut">
               <a:rPr lang="en-US" smtClean="0"/>
-              <a:t>1/10/2022</a:t>
+              <a:t>1/20/22</a:t>
             </a:fld>
             <a:endParaRPr lang="en-US"/>
           </a:p>
@@ -3381,7 +3594,7 @@
           <a:p>
             <a:fld id="{2425905D-C0C4-D040-B3F5-79CCA23FA4EB}" type="datetimeFigureOut">
               <a:rPr lang="en-US" smtClean="0"/>
-              <a:t>1/10/2022</a:t>
+              <a:t>1/20/22</a:t>
             </a:fld>
             <a:endParaRPr lang="en-US"/>
           </a:p>
@@ -3624,7 +3837,7 @@
           <a:p>
             <a:fld id="{2425905D-C0C4-D040-B3F5-79CCA23FA4EB}" type="datetimeFigureOut">
               <a:rPr lang="en-US" smtClean="0"/>
-              <a:t>1/10/2022</a:t>
+              <a:t>1/20/22</a:t>
             </a:fld>
             <a:endParaRPr lang="en-US"/>
           </a:p>
@@ -4164,6 +4377,36 @@
           </a:prstGeom>
         </p:spPr>
       </p:pic>
+      <p:pic>
+        <p:nvPicPr>
+          <p:cNvPr id="6" name="Picture 5">
+            <a:extLst>
+              <a:ext uri="{FF2B5EF4-FFF2-40B4-BE49-F238E27FC236}">
+                <a16:creationId xmlns:a16="http://schemas.microsoft.com/office/drawing/2014/main" id="{919BED88-AA1D-3144-ABB6-9C775BCC2765}"/>
+              </a:ext>
+            </a:extLst>
+          </p:cNvPr>
+          <p:cNvPicPr>
+            <a:picLocks noChangeAspect="1"/>
+          </p:cNvPicPr>
+          <p:nvPr/>
+        </p:nvPicPr>
+        <p:blipFill>
+          <a:blip r:embed="rId2"/>
+          <a:stretch>
+            <a:fillRect/>
+          </a:stretch>
+        </p:blipFill>
+        <p:spPr>
+          <a:xfrm>
+            <a:off x="1270000" y="1270000"/>
+            <a:ext cx="63500" cy="76200"/>
+          </a:xfrm>
+          <a:prstGeom prst="rect">
+            <a:avLst/>
+          </a:prstGeom>
+        </p:spPr>
+      </p:pic>
     </p:spTree>
     <p:extLst>
       <p:ext uri="{BB962C8B-B14F-4D97-AF65-F5344CB8AC3E}">
@@ -4216,8 +4459,16 @@
           <a:lstStyle/>
           <a:p>
             <a:r>
+              <a:rPr lang="en-US" altLang="zh-CN" b="1" dirty="0"/>
+              <a:t>Exercise</a:t>
+            </a:r>
+            <a:r>
+              <a:rPr lang="zh-CN" altLang="en-US" b="1" dirty="0"/>
+              <a:t> </a:t>
+            </a:r>
+            <a:r>
               <a:rPr lang="en-US" b="1" dirty="0"/>
-              <a:t>Performance Metrics - Q2</a:t>
+              <a:t>- Q2</a:t>
             </a:r>
           </a:p>
         </p:txBody>
@@ -4347,8 +4598,16 @@
           <a:lstStyle/>
           <a:p>
             <a:r>
+              <a:rPr lang="en-US" altLang="zh-CN" b="1" dirty="0"/>
+              <a:t>Exercise</a:t>
+            </a:r>
+            <a:r>
+              <a:rPr lang="zh-CN" altLang="en-US" b="1" dirty="0"/>
+              <a:t> </a:t>
+            </a:r>
+            <a:r>
               <a:rPr lang="en-US" b="1" dirty="0"/>
-              <a:t>Performance Metrics - Q2</a:t>
+              <a:t>- Q2</a:t>
             </a:r>
           </a:p>
         </p:txBody>
@@ -4460,6 +4719,92 @@
   <p:clrMapOvr>
     <a:masterClrMapping/>
   </p:clrMapOvr>
+  <p:timing>
+    <p:tnLst>
+      <p:par>
+        <p:cTn id="1" dur="indefinite" restart="never" nodeType="tmRoot">
+          <p:childTnLst>
+            <p:seq concurrent="1" nextAc="seek">
+              <p:cTn id="2" dur="indefinite" nodeType="mainSeq">
+                <p:childTnLst>
+                  <p:par>
+                    <p:cTn id="3" fill="hold">
+                      <p:stCondLst>
+                        <p:cond delay="indefinite"/>
+                      </p:stCondLst>
+                      <p:childTnLst>
+                        <p:par>
+                          <p:cTn id="4" fill="hold">
+                            <p:stCondLst>
+                              <p:cond delay="0"/>
+                            </p:stCondLst>
+                            <p:childTnLst>
+                              <p:par>
+                                <p:cTn id="5" presetID="10" presetClass="entr" presetSubtype="0" fill="hold" grpId="0" nodeType="clickEffect">
+                                  <p:stCondLst>
+                                    <p:cond delay="0"/>
+                                  </p:stCondLst>
+                                  <p:childTnLst>
+                                    <p:set>
+                                      <p:cBhvr>
+                                        <p:cTn id="6" dur="1" fill="hold">
+                                          <p:stCondLst>
+                                            <p:cond delay="0"/>
+                                          </p:stCondLst>
+                                        </p:cTn>
+                                        <p:tgtEl>
+                                          <p:spTgt spid="7"/>
+                                        </p:tgtEl>
+                                        <p:attrNameLst>
+                                          <p:attrName>style.visibility</p:attrName>
+                                        </p:attrNameLst>
+                                      </p:cBhvr>
+                                      <p:to>
+                                        <p:strVal val="visible"/>
+                                      </p:to>
+                                    </p:set>
+                                    <p:animEffect transition="in" filter="fade">
+                                      <p:cBhvr>
+                                        <p:cTn id="7" dur="500"/>
+                                        <p:tgtEl>
+                                          <p:spTgt spid="7"/>
+                                        </p:tgtEl>
+                                      </p:cBhvr>
+                                    </p:animEffect>
+                                  </p:childTnLst>
+                                </p:cTn>
+                              </p:par>
+                            </p:childTnLst>
+                          </p:cTn>
+                        </p:par>
+                      </p:childTnLst>
+                    </p:cTn>
+                  </p:par>
+                </p:childTnLst>
+              </p:cTn>
+              <p:prevCondLst>
+                <p:cond evt="onPrev" delay="0">
+                  <p:tgtEl>
+                    <p:sldTgt/>
+                  </p:tgtEl>
+                </p:cond>
+              </p:prevCondLst>
+              <p:nextCondLst>
+                <p:cond evt="onNext" delay="0">
+                  <p:tgtEl>
+                    <p:sldTgt/>
+                  </p:tgtEl>
+                </p:cond>
+              </p:nextCondLst>
+            </p:seq>
+          </p:childTnLst>
+        </p:cTn>
+      </p:par>
+    </p:tnLst>
+    <p:bldLst>
+      <p:bldP spid="7" grpId="0"/>
+    </p:bldLst>
+  </p:timing>
 </p:sld>
 </file>
 
@@ -4502,8 +4847,16 @@
           <a:lstStyle/>
           <a:p>
             <a:r>
+              <a:rPr lang="en-US" altLang="zh-CN" b="1" dirty="0"/>
+              <a:t>Exercise</a:t>
+            </a:r>
+            <a:r>
+              <a:rPr lang="zh-CN" altLang="en-US" b="1" dirty="0"/>
+              <a:t> </a:t>
+            </a:r>
+            <a:r>
               <a:rPr lang="en-US" b="1" dirty="0"/>
-              <a:t>Performance Metrics - Q2</a:t>
+              <a:t>- Q2</a:t>
             </a:r>
           </a:p>
         </p:txBody>
@@ -4732,25 +5085,8 @@
                   <a:srgbClr val="FF0000"/>
                 </a:solidFill>
               </a:rPr>
-              <a:t>Due: Sat, 29 Jan. 11:59:59 p.m.</a:t>
-            </a:r>
-          </a:p>
-          <a:p>
-            <a:r>
-              <a:rPr lang="en-US" sz="3200" dirty="0"/>
-              <a:t>The </a:t>
-            </a:r>
-            <a:r>
-              <a:rPr lang="en-US" sz="3200" dirty="0" err="1"/>
-              <a:t>autograder</a:t>
-            </a:r>
-            <a:r>
-              <a:rPr lang="en-US" sz="3200" dirty="0"/>
-              <a:t> will be available soon.</a:t>
-            </a:r>
-            <a:endParaRPr lang="en-US" sz="3200" dirty="0">
-              <a:cs typeface="Calibri"/>
-            </a:endParaRPr>
+              <a:t>Due: Sat, 29th Jan. 11:59:59 p.m.</a:t>
+            </a:r>
           </a:p>
         </p:txBody>
       </p:sp>
@@ -4843,20 +5179,25 @@
           <a:p>
             <a:r>
               <a:rPr lang="en-US" sz="3200" dirty="0"/>
-              <a:t>Performance Metrics – Throughput</a:t>
-            </a:r>
-          </a:p>
-          <a:p>
+              <a:t>Performance Metrics - Throughput</a:t>
+            </a:r>
+          </a:p>
+          <a:p>
+            <a:r>
+              <a:rPr lang="en-US" altLang="zh-CN" sz="3200" dirty="0"/>
+              <a:t>Exercise </a:t>
+            </a:r>
             <a:r>
               <a:rPr lang="en-US" sz="3200" dirty="0"/>
-              <a:t>Performance Metrics - Q1</a:t>
-            </a:r>
-          </a:p>
-          <a:p>
-            <a:r>
-              <a:rPr lang="en-US" sz="3200" dirty="0"/>
-              <a:t>Performance Metrics - Q2</a:t>
-            </a:r>
+              <a:t>1</a:t>
+            </a:r>
+          </a:p>
+          <a:p>
+            <a:r>
+              <a:rPr lang="en-US" altLang="zh-CN" sz="3200" dirty="0"/>
+              <a:t>Exercise 2</a:t>
+            </a:r>
+            <a:endParaRPr lang="en-US" sz="3200" dirty="0"/>
           </a:p>
         </p:txBody>
       </p:sp>
@@ -5149,8 +5490,16 @@
           <a:lstStyle/>
           <a:p>
             <a:r>
+              <a:rPr lang="en-US" altLang="zh-CN" b="1" dirty="0"/>
+              <a:t>Exercise</a:t>
+            </a:r>
+            <a:r>
+              <a:rPr lang="zh-CN" altLang="en-US" b="1" dirty="0"/>
+              <a:t> </a:t>
+            </a:r>
+            <a:r>
               <a:rPr lang="en-US" b="1" dirty="0"/>
-              <a:t>Performance Metrics - Q1</a:t>
+              <a:t>- Q1</a:t>
             </a:r>
           </a:p>
         </p:txBody>
@@ -5212,7 +5561,15 @@
             </a:pPr>
             <a:r>
               <a:rPr lang="en-US" sz="2400" dirty="0"/>
-              <a:t>(a) Calculate the minimum RTT for the link. </a:t>
+              <a:t>(a) Calculate the minimum RTT</a:t>
+            </a:r>
+            <a:r>
+              <a:rPr lang="en-US" altLang="zh-CN" sz="2400" dirty="0"/>
+              <a:t>(round-trip time)</a:t>
+            </a:r>
+            <a:r>
+              <a:rPr lang="en-US" sz="2400" dirty="0"/>
+              <a:t> for the link. </a:t>
             </a:r>
           </a:p>
         </p:txBody>
@@ -5276,6 +5633,92 @@
   <p:clrMapOvr>
     <a:masterClrMapping/>
   </p:clrMapOvr>
+  <p:timing>
+    <p:tnLst>
+      <p:par>
+        <p:cTn id="1" dur="indefinite" restart="never" nodeType="tmRoot">
+          <p:childTnLst>
+            <p:seq concurrent="1" nextAc="seek">
+              <p:cTn id="2" dur="indefinite" nodeType="mainSeq">
+                <p:childTnLst>
+                  <p:par>
+                    <p:cTn id="3" fill="hold">
+                      <p:stCondLst>
+                        <p:cond delay="indefinite"/>
+                      </p:stCondLst>
+                      <p:childTnLst>
+                        <p:par>
+                          <p:cTn id="4" fill="hold">
+                            <p:stCondLst>
+                              <p:cond delay="0"/>
+                            </p:stCondLst>
+                            <p:childTnLst>
+                              <p:par>
+                                <p:cTn id="5" presetID="10" presetClass="entr" presetSubtype="0" fill="hold" grpId="0" nodeType="clickEffect">
+                                  <p:stCondLst>
+                                    <p:cond delay="0"/>
+                                  </p:stCondLst>
+                                  <p:childTnLst>
+                                    <p:set>
+                                      <p:cBhvr>
+                                        <p:cTn id="6" dur="1" fill="hold">
+                                          <p:stCondLst>
+                                            <p:cond delay="0"/>
+                                          </p:stCondLst>
+                                        </p:cTn>
+                                        <p:tgtEl>
+                                          <p:spTgt spid="7"/>
+                                        </p:tgtEl>
+                                        <p:attrNameLst>
+                                          <p:attrName>style.visibility</p:attrName>
+                                        </p:attrNameLst>
+                                      </p:cBhvr>
+                                      <p:to>
+                                        <p:strVal val="visible"/>
+                                      </p:to>
+                                    </p:set>
+                                    <p:animEffect transition="in" filter="fade">
+                                      <p:cBhvr>
+                                        <p:cTn id="7" dur="500"/>
+                                        <p:tgtEl>
+                                          <p:spTgt spid="7"/>
+                                        </p:tgtEl>
+                                      </p:cBhvr>
+                                    </p:animEffect>
+                                  </p:childTnLst>
+                                </p:cTn>
+                              </p:par>
+                            </p:childTnLst>
+                          </p:cTn>
+                        </p:par>
+                      </p:childTnLst>
+                    </p:cTn>
+                  </p:par>
+                </p:childTnLst>
+              </p:cTn>
+              <p:prevCondLst>
+                <p:cond evt="onPrev" delay="0">
+                  <p:tgtEl>
+                    <p:sldTgt/>
+                  </p:tgtEl>
+                </p:cond>
+              </p:prevCondLst>
+              <p:nextCondLst>
+                <p:cond evt="onNext" delay="0">
+                  <p:tgtEl>
+                    <p:sldTgt/>
+                  </p:tgtEl>
+                </p:cond>
+              </p:nextCondLst>
+            </p:seq>
+          </p:childTnLst>
+        </p:cTn>
+      </p:par>
+    </p:tnLst>
+    <p:bldLst>
+      <p:bldP spid="7" grpId="0"/>
+    </p:bldLst>
+  </p:timing>
 </p:sld>
 </file>
 
@@ -5318,8 +5761,16 @@
           <a:lstStyle/>
           <a:p>
             <a:r>
+              <a:rPr lang="en-US" altLang="zh-CN" b="1" dirty="0"/>
+              <a:t>Exercise</a:t>
+            </a:r>
+            <a:r>
+              <a:rPr lang="zh-CN" altLang="en-US" b="1" dirty="0"/>
+              <a:t> </a:t>
+            </a:r>
+            <a:r>
               <a:rPr lang="en-US" b="1" dirty="0"/>
-              <a:t>Performance Metrics - Q1</a:t>
+              <a:t>- Q1</a:t>
             </a:r>
           </a:p>
         </p:txBody>
@@ -5342,7 +5793,7 @@
         </p:nvSpPr>
         <p:spPr>
           <a:xfrm>
-            <a:off x="838200" y="1453093"/>
+            <a:off x="838200" y="1771439"/>
             <a:ext cx="10515600" cy="2705735"/>
           </a:xfrm>
         </p:spPr>
@@ -5371,28 +5822,22 @@
           </a:p>
           <a:p>
             <a:pPr marL="0" indent="0">
+              <a:lnSpc>
+                <a:spcPct val="100000"/>
+              </a:lnSpc>
               <a:buNone/>
             </a:pPr>
-            <a:endParaRPr lang="en-US" sz="2400" dirty="0"/>
-          </a:p>
-          <a:p>
-            <a:pPr marL="0" indent="0">
-              <a:lnSpc>
-                <a:spcPct val="110000"/>
-              </a:lnSpc>
-              <a:buNone/>
-            </a:pPr>
             <a:r>
               <a:rPr lang="en-US" sz="2400" dirty="0"/>
-              <a:t>(</a:t>
-            </a:r>
-            <a:r>
-              <a:rPr lang="en-US" altLang="zh-CN" sz="2400" dirty="0"/>
-              <a:t>c</a:t>
+              <a:t>(b) Suppose Mission Control on Earth wishes to download a 25MB (1MB = 10^6B) image from a camera on the lunar base.</a:t>
+            </a:r>
+            <a:r>
+              <a:rPr lang="zh-CN" altLang="en-US" sz="2400" dirty="0"/>
+              <a:t> </a:t>
             </a:r>
             <a:r>
               <a:rPr lang="en-US" sz="2400" dirty="0"/>
-              <a:t>) The maximum number of flying bits on the link?</a:t>
+              <a:t>What is the minimum amount of time that will elapse between when the request for the data goes out and the transfer is finished? Throughput?</a:t>
             </a:r>
           </a:p>
         </p:txBody>
@@ -5411,8 +5856,8 @@
         </p:nvSpPr>
         <p:spPr>
           <a:xfrm>
-            <a:off x="790786" y="4665395"/>
-            <a:ext cx="9260840" cy="830997"/>
+            <a:off x="790786" y="5157912"/>
+            <a:ext cx="9260840" cy="1200329"/>
           </a:xfrm>
           <a:prstGeom prst="rect">
             <a:avLst/>
@@ -5431,7 +5876,7 @@
                   <a:srgbClr val="FF0000"/>
                 </a:solidFill>
               </a:rPr>
-              <a:t># bits = propagation delay * bandwidth</a:t>
+              <a:t>transmission delay = 25MB / 100Mbps = 25 * 8 / 100 = 2s </a:t>
             </a:r>
           </a:p>
           <a:p>
@@ -5441,26 +5886,133 @@
                   <a:srgbClr val="FF0000"/>
                 </a:solidFill>
               </a:rPr>
-              <a:t>           = 1.28333s * 100Mbps = 1.28333 * 10^8</a:t>
-            </a:r>
-            <a:endParaRPr lang="en-HK" sz="2400" dirty="0">
-              <a:solidFill>
-                <a:srgbClr val="FF0000"/>
-              </a:solidFill>
-            </a:endParaRPr>
+              <a:t>delay = RTT + transmission delay = 2.5666 + 2 = </a:t>
+            </a:r>
+            <a:r>
+              <a:rPr lang="en-US" sz="2400">
+                <a:solidFill>
+                  <a:srgbClr val="FF0000"/>
+                </a:solidFill>
+              </a:rPr>
+              <a:t>4.5666s </a:t>
+            </a:r>
+          </a:p>
+          <a:p>
+            <a:r>
+              <a:rPr lang="en-US" sz="2400">
+                <a:solidFill>
+                  <a:srgbClr val="FF0000"/>
+                </a:solidFill>
+              </a:rPr>
+              <a:t>throughput </a:t>
+            </a:r>
+            <a:r>
+              <a:rPr lang="en-US" sz="2400" dirty="0">
+                <a:solidFill>
+                  <a:srgbClr val="FF0000"/>
+                </a:solidFill>
+              </a:rPr>
+              <a:t>= 25MB * 8 / (2s + 1.28333s) = 60.9 Mbps </a:t>
+            </a:r>
           </a:p>
         </p:txBody>
       </p:sp>
     </p:spTree>
     <p:extLst>
       <p:ext uri="{BB962C8B-B14F-4D97-AF65-F5344CB8AC3E}">
-        <p14:creationId xmlns:p14="http://schemas.microsoft.com/office/powerpoint/2010/main" val="442365464"/>
+        <p14:creationId xmlns:p14="http://schemas.microsoft.com/office/powerpoint/2010/main" val="11664182"/>
       </p:ext>
     </p:extLst>
   </p:cSld>
   <p:clrMapOvr>
     <a:masterClrMapping/>
   </p:clrMapOvr>
+  <p:timing>
+    <p:tnLst>
+      <p:par>
+        <p:cTn id="1" dur="indefinite" restart="never" nodeType="tmRoot">
+          <p:childTnLst>
+            <p:seq concurrent="1" nextAc="seek">
+              <p:cTn id="2" dur="indefinite" nodeType="mainSeq">
+                <p:childTnLst>
+                  <p:par>
+                    <p:cTn id="3" fill="hold">
+                      <p:stCondLst>
+                        <p:cond delay="indefinite"/>
+                      </p:stCondLst>
+                      <p:childTnLst>
+                        <p:par>
+                          <p:cTn id="4" fill="hold">
+                            <p:stCondLst>
+                              <p:cond delay="0"/>
+                            </p:stCondLst>
+                            <p:childTnLst>
+                              <p:par>
+                                <p:cTn id="5" presetID="10" presetClass="entr" presetSubtype="0" fill="hold" grpId="0" nodeType="clickEffect">
+                                  <p:stCondLst>
+                                    <p:cond delay="0"/>
+                                  </p:stCondLst>
+                                  <p:childTnLst>
+                                    <p:set>
+                                      <p:cBhvr>
+                                        <p:cTn id="6" dur="1" fill="hold">
+                                          <p:stCondLst>
+                                            <p:cond delay="0"/>
+                                          </p:stCondLst>
+                                        </p:cTn>
+                                        <p:tgtEl>
+                                          <p:spTgt spid="7"/>
+                                        </p:tgtEl>
+                                        <p:attrNameLst>
+                                          <p:attrName>style.visibility</p:attrName>
+                                        </p:attrNameLst>
+                                      </p:cBhvr>
+                                      <p:to>
+                                        <p:strVal val="visible"/>
+                                      </p:to>
+                                    </p:set>
+                                    <p:animEffect transition="in" filter="fade">
+                                      <p:cBhvr>
+                                        <p:cTn id="7" dur="500"/>
+                                        <p:tgtEl>
+                                          <p:spTgt spid="7"/>
+                                        </p:tgtEl>
+                                      </p:cBhvr>
+                                    </p:animEffect>
+                                  </p:childTnLst>
+                                </p:cTn>
+                              </p:par>
+                            </p:childTnLst>
+                          </p:cTn>
+                        </p:par>
+                      </p:childTnLst>
+                    </p:cTn>
+                  </p:par>
+                </p:childTnLst>
+              </p:cTn>
+              <p:prevCondLst>
+                <p:cond evt="onPrev" delay="0">
+                  <p:tgtEl>
+                    <p:sldTgt/>
+                  </p:tgtEl>
+                </p:cond>
+              </p:prevCondLst>
+              <p:nextCondLst>
+                <p:cond evt="onNext" delay="0">
+                  <p:tgtEl>
+                    <p:sldTgt/>
+                  </p:tgtEl>
+                </p:cond>
+              </p:nextCondLst>
+            </p:seq>
+          </p:childTnLst>
+        </p:cTn>
+      </p:par>
+    </p:tnLst>
+    <p:bldLst>
+      <p:bldP spid="7" grpId="0"/>
+    </p:bldLst>
+  </p:timing>
 </p:sld>
 </file>
 
@@ -5503,8 +6055,16 @@
           <a:lstStyle/>
           <a:p>
             <a:r>
+              <a:rPr lang="en-US" altLang="zh-CN" b="1" dirty="0"/>
+              <a:t>Exercise</a:t>
+            </a:r>
+            <a:r>
+              <a:rPr lang="zh-CN" altLang="en-US" b="1" dirty="0"/>
+              <a:t> </a:t>
+            </a:r>
+            <a:r>
               <a:rPr lang="en-US" b="1" dirty="0"/>
-              <a:t>Performance Metrics - Q1</a:t>
+              <a:t>- Q1</a:t>
             </a:r>
           </a:p>
         </p:txBody>
@@ -5527,13 +6087,13 @@
         </p:nvSpPr>
         <p:spPr>
           <a:xfrm>
-            <a:off x="838200" y="1825625"/>
+            <a:off x="838200" y="1771439"/>
             <a:ext cx="10515600" cy="2705735"/>
           </a:xfrm>
         </p:spPr>
         <p:txBody>
           <a:bodyPr>
-            <a:normAutofit/>
+            <a:noAutofit/>
           </a:bodyPr>
           <a:lstStyle/>
           <a:p>
@@ -5562,11 +6122,22 @@
           </a:p>
           <a:p>
             <a:pPr marL="0" indent="0">
+              <a:lnSpc>
+                <a:spcPct val="110000"/>
+              </a:lnSpc>
               <a:buNone/>
             </a:pPr>
             <a:r>
               <a:rPr lang="en-US" sz="2400" dirty="0"/>
-              <a:t>(a) Calculate the minimum RTT for the link. </a:t>
+              <a:t>(</a:t>
+            </a:r>
+            <a:r>
+              <a:rPr lang="en-US" altLang="zh-CN" sz="2400" dirty="0"/>
+              <a:t>c</a:t>
+            </a:r>
+            <a:r>
+              <a:rPr lang="en-US" sz="2400" dirty="0"/>
+              <a:t>) The maximum number of flying bits on the link?</a:t>
             </a:r>
           </a:p>
         </p:txBody>
@@ -5585,7 +6156,7 @@
         </p:nvSpPr>
         <p:spPr>
           <a:xfrm>
-            <a:off x="838200" y="4970195"/>
+            <a:off x="790786" y="4983741"/>
             <a:ext cx="9260840" cy="830997"/>
           </a:xfrm>
           <a:prstGeom prst="rect">
@@ -5600,36 +6171,127 @@
           <a:lstStyle/>
           <a:p>
             <a:r>
-              <a:rPr lang="en-HK" sz="2400" dirty="0">
+              <a:rPr lang="en-US" sz="2400" dirty="0">
                 <a:solidFill>
                   <a:srgbClr val="FF0000"/>
                 </a:solidFill>
               </a:rPr>
-              <a:t>propagation delay = 385000 km / (3 * 10^5 km/s) = 1.28333s</a:t>
-            </a:r>
-          </a:p>
-          <a:p>
-            <a:r>
-              <a:rPr lang="en-HK" sz="2400" dirty="0">
+              <a:t># bits = propagation delay * bandwidth</a:t>
+            </a:r>
+          </a:p>
+          <a:p>
+            <a:r>
+              <a:rPr lang="en-US" sz="2400" dirty="0">
                 <a:solidFill>
                   <a:srgbClr val="FF0000"/>
                 </a:solidFill>
               </a:rPr>
-              <a:t>RTT = 2 * propagation delay =  2 * 1.28333 = 2.56666s</a:t>
-            </a:r>
+              <a:t>           = 1.28333s * 100Mbps = 1.28333 * 10^8</a:t>
+            </a:r>
+            <a:endParaRPr lang="en-HK" sz="2400" dirty="0">
+              <a:solidFill>
+                <a:srgbClr val="FF0000"/>
+              </a:solidFill>
+            </a:endParaRPr>
           </a:p>
         </p:txBody>
       </p:sp>
     </p:spTree>
     <p:extLst>
       <p:ext uri="{BB962C8B-B14F-4D97-AF65-F5344CB8AC3E}">
-        <p14:creationId xmlns:p14="http://schemas.microsoft.com/office/powerpoint/2010/main" val="3494430642"/>
+        <p14:creationId xmlns:p14="http://schemas.microsoft.com/office/powerpoint/2010/main" val="442365464"/>
       </p:ext>
     </p:extLst>
   </p:cSld>
   <p:clrMapOvr>
     <a:masterClrMapping/>
   </p:clrMapOvr>
+  <p:timing>
+    <p:tnLst>
+      <p:par>
+        <p:cTn id="1" dur="indefinite" restart="never" nodeType="tmRoot">
+          <p:childTnLst>
+            <p:seq concurrent="1" nextAc="seek">
+              <p:cTn id="2" dur="indefinite" nodeType="mainSeq">
+                <p:childTnLst>
+                  <p:par>
+                    <p:cTn id="3" fill="hold">
+                      <p:stCondLst>
+                        <p:cond delay="indefinite"/>
+                      </p:stCondLst>
+                      <p:childTnLst>
+                        <p:par>
+                          <p:cTn id="4" fill="hold">
+                            <p:stCondLst>
+                              <p:cond delay="0"/>
+                            </p:stCondLst>
+                            <p:childTnLst>
+                              <p:par>
+                                <p:cTn id="5" presetID="10" presetClass="entr" presetSubtype="0" fill="hold" grpId="0" nodeType="clickEffect">
+                                  <p:stCondLst>
+                                    <p:cond delay="0"/>
+                                  </p:stCondLst>
+                                  <p:childTnLst>
+                                    <p:set>
+                                      <p:cBhvr>
+                                        <p:cTn id="6" dur="1" fill="hold">
+                                          <p:stCondLst>
+                                            <p:cond delay="0"/>
+                                          </p:stCondLst>
+                                        </p:cTn>
+                                        <p:tgtEl>
+                                          <p:spTgt spid="7"/>
+                                        </p:tgtEl>
+                                        <p:attrNameLst>
+                                          <p:attrName>style.visibility</p:attrName>
+                                        </p:attrNameLst>
+                                      </p:cBhvr>
+                                      <p:to>
+                                        <p:strVal val="visible"/>
+                                      </p:to>
+                                    </p:set>
+                                    <p:animEffect transition="in" filter="fade">
+                                      <p:cBhvr>
+                                        <p:cTn id="7" dur="500"/>
+                                        <p:tgtEl>
+                                          <p:spTgt spid="7"/>
+                                        </p:tgtEl>
+                                      </p:cBhvr>
+                                    </p:animEffect>
+                                  </p:childTnLst>
+                                </p:cTn>
+                              </p:par>
+                            </p:childTnLst>
+                          </p:cTn>
+                        </p:par>
+                      </p:childTnLst>
+                    </p:cTn>
+                  </p:par>
+                </p:childTnLst>
+              </p:cTn>
+              <p:prevCondLst>
+                <p:cond evt="onPrev" delay="0">
+                  <p:tgtEl>
+                    <p:sldTgt/>
+                  </p:tgtEl>
+                </p:cond>
+              </p:prevCondLst>
+              <p:nextCondLst>
+                <p:cond evt="onNext" delay="0">
+                  <p:tgtEl>
+                    <p:sldTgt/>
+                  </p:tgtEl>
+                </p:cond>
+              </p:nextCondLst>
+            </p:seq>
+          </p:childTnLst>
+        </p:cTn>
+      </p:par>
+    </p:tnLst>
+    <p:bldLst>
+      <p:bldP spid="7" grpId="0"/>
+    </p:bldLst>
+  </p:timing>
 </p:sld>
 </file>
 
@@ -5672,8 +6334,16 @@
           <a:lstStyle/>
           <a:p>
             <a:r>
+              <a:rPr lang="en-US" altLang="zh-CN" b="1" dirty="0"/>
+              <a:t>Exercise</a:t>
+            </a:r>
+            <a:r>
+              <a:rPr lang="zh-CN" altLang="en-US" b="1" dirty="0"/>
+              <a:t> </a:t>
+            </a:r>
+            <a:r>
               <a:rPr lang="en-US" b="1" dirty="0"/>
-              <a:t>Performance Metrics - Q2</a:t>
+              <a:t>- Q2</a:t>
             </a:r>
           </a:p>
         </p:txBody>
@@ -5785,6 +6455,92 @@
   <p:clrMapOvr>
     <a:masterClrMapping/>
   </p:clrMapOvr>
+  <p:timing>
+    <p:tnLst>
+      <p:par>
+        <p:cTn id="1" dur="indefinite" restart="never" nodeType="tmRoot">
+          <p:childTnLst>
+            <p:seq concurrent="1" nextAc="seek">
+              <p:cTn id="2" dur="indefinite" nodeType="mainSeq">
+                <p:childTnLst>
+                  <p:par>
+                    <p:cTn id="3" fill="hold">
+                      <p:stCondLst>
+                        <p:cond delay="indefinite"/>
+                      </p:stCondLst>
+                      <p:childTnLst>
+                        <p:par>
+                          <p:cTn id="4" fill="hold">
+                            <p:stCondLst>
+                              <p:cond delay="0"/>
+                            </p:stCondLst>
+                            <p:childTnLst>
+                              <p:par>
+                                <p:cTn id="5" presetID="10" presetClass="entr" presetSubtype="0" fill="hold" grpId="0" nodeType="clickEffect">
+                                  <p:stCondLst>
+                                    <p:cond delay="0"/>
+                                  </p:stCondLst>
+                                  <p:childTnLst>
+                                    <p:set>
+                                      <p:cBhvr>
+                                        <p:cTn id="6" dur="1" fill="hold">
+                                          <p:stCondLst>
+                                            <p:cond delay="0"/>
+                                          </p:stCondLst>
+                                        </p:cTn>
+                                        <p:tgtEl>
+                                          <p:spTgt spid="7"/>
+                                        </p:tgtEl>
+                                        <p:attrNameLst>
+                                          <p:attrName>style.visibility</p:attrName>
+                                        </p:attrNameLst>
+                                      </p:cBhvr>
+                                      <p:to>
+                                        <p:strVal val="visible"/>
+                                      </p:to>
+                                    </p:set>
+                                    <p:animEffect transition="in" filter="fade">
+                                      <p:cBhvr>
+                                        <p:cTn id="7" dur="500"/>
+                                        <p:tgtEl>
+                                          <p:spTgt spid="7"/>
+                                        </p:tgtEl>
+                                      </p:cBhvr>
+                                    </p:animEffect>
+                                  </p:childTnLst>
+                                </p:cTn>
+                              </p:par>
+                            </p:childTnLst>
+                          </p:cTn>
+                        </p:par>
+                      </p:childTnLst>
+                    </p:cTn>
+                  </p:par>
+                </p:childTnLst>
+              </p:cTn>
+              <p:prevCondLst>
+                <p:cond evt="onPrev" delay="0">
+                  <p:tgtEl>
+                    <p:sldTgt/>
+                  </p:tgtEl>
+                </p:cond>
+              </p:prevCondLst>
+              <p:nextCondLst>
+                <p:cond evt="onNext" delay="0">
+                  <p:tgtEl>
+                    <p:sldTgt/>
+                  </p:tgtEl>
+                </p:cond>
+              </p:nextCondLst>
+            </p:seq>
+          </p:childTnLst>
+        </p:cTn>
+      </p:par>
+    </p:tnLst>
+    <p:bldLst>
+      <p:bldP spid="7" grpId="0"/>
+    </p:bldLst>
+  </p:timing>
 </p:sld>
 </file>
 

--- a/tutorial/T02/tut02.pptx
+++ b/tutorial/T02/tut02.pptx
@@ -9,15 +9,16 @@
     <p:sldId id="257" r:id="rId3"/>
     <p:sldId id="258" r:id="rId4"/>
     <p:sldId id="259" r:id="rId5"/>
-    <p:sldId id="273" r:id="rId6"/>
-    <p:sldId id="274" r:id="rId7"/>
-    <p:sldId id="281" r:id="rId8"/>
-    <p:sldId id="275" r:id="rId9"/>
-    <p:sldId id="277" r:id="rId10"/>
-    <p:sldId id="278" r:id="rId11"/>
-    <p:sldId id="279" r:id="rId12"/>
-    <p:sldId id="280" r:id="rId13"/>
-    <p:sldId id="272" r:id="rId14"/>
+    <p:sldId id="282" r:id="rId6"/>
+    <p:sldId id="273" r:id="rId7"/>
+    <p:sldId id="274" r:id="rId8"/>
+    <p:sldId id="281" r:id="rId9"/>
+    <p:sldId id="275" r:id="rId10"/>
+    <p:sldId id="277" r:id="rId11"/>
+    <p:sldId id="278" r:id="rId12"/>
+    <p:sldId id="279" r:id="rId13"/>
+    <p:sldId id="280" r:id="rId14"/>
+    <p:sldId id="272" r:id="rId15"/>
   </p:sldIdLst>
   <p:sldSz cx="12192000" cy="6858000"/>
   <p:notesSz cx="6858000" cy="9144000"/>
@@ -1168,7 +1169,7 @@
           <a:p>
             <a:fld id="{2425905D-C0C4-D040-B3F5-79CCA23FA4EB}" type="datetimeFigureOut">
               <a:rPr lang="en-US" smtClean="0"/>
-              <a:t>1/27/2023</a:t>
+              <a:t>2/1/2023</a:t>
             </a:fld>
             <a:endParaRPr lang="en-US"/>
           </a:p>
@@ -1368,7 +1369,7 @@
           <a:p>
             <a:fld id="{2425905D-C0C4-D040-B3F5-79CCA23FA4EB}" type="datetimeFigureOut">
               <a:rPr lang="en-US" smtClean="0"/>
-              <a:t>1/27/2023</a:t>
+              <a:t>2/1/2023</a:t>
             </a:fld>
             <a:endParaRPr lang="en-US"/>
           </a:p>
@@ -1578,7 +1579,7 @@
           <a:p>
             <a:fld id="{2425905D-C0C4-D040-B3F5-79CCA23FA4EB}" type="datetimeFigureOut">
               <a:rPr lang="en-US" smtClean="0"/>
-              <a:t>1/27/2023</a:t>
+              <a:t>2/1/2023</a:t>
             </a:fld>
             <a:endParaRPr lang="en-US"/>
           </a:p>
@@ -1778,7 +1779,7 @@
           <a:p>
             <a:fld id="{2425905D-C0C4-D040-B3F5-79CCA23FA4EB}" type="datetimeFigureOut">
               <a:rPr lang="en-US" smtClean="0"/>
-              <a:t>1/27/2023</a:t>
+              <a:t>2/1/2023</a:t>
             </a:fld>
             <a:endParaRPr lang="en-US"/>
           </a:p>
@@ -2054,7 +2055,7 @@
           <a:p>
             <a:fld id="{2425905D-C0C4-D040-B3F5-79CCA23FA4EB}" type="datetimeFigureOut">
               <a:rPr lang="en-US" smtClean="0"/>
-              <a:t>1/27/2023</a:t>
+              <a:t>2/1/2023</a:t>
             </a:fld>
             <a:endParaRPr lang="en-US"/>
           </a:p>
@@ -2322,7 +2323,7 @@
           <a:p>
             <a:fld id="{2425905D-C0C4-D040-B3F5-79CCA23FA4EB}" type="datetimeFigureOut">
               <a:rPr lang="en-US" smtClean="0"/>
-              <a:t>1/27/2023</a:t>
+              <a:t>2/1/2023</a:t>
             </a:fld>
             <a:endParaRPr lang="en-US"/>
           </a:p>
@@ -2737,7 +2738,7 @@
           <a:p>
             <a:fld id="{2425905D-C0C4-D040-B3F5-79CCA23FA4EB}" type="datetimeFigureOut">
               <a:rPr lang="en-US" smtClean="0"/>
-              <a:t>1/27/2023</a:t>
+              <a:t>2/1/2023</a:t>
             </a:fld>
             <a:endParaRPr lang="en-US"/>
           </a:p>
@@ -2879,7 +2880,7 @@
           <a:p>
             <a:fld id="{2425905D-C0C4-D040-B3F5-79CCA23FA4EB}" type="datetimeFigureOut">
               <a:rPr lang="en-US" smtClean="0"/>
-              <a:t>1/27/2023</a:t>
+              <a:t>2/1/2023</a:t>
             </a:fld>
             <a:endParaRPr lang="en-US"/>
           </a:p>
@@ -2992,7 +2993,7 @@
           <a:p>
             <a:fld id="{2425905D-C0C4-D040-B3F5-79CCA23FA4EB}" type="datetimeFigureOut">
               <a:rPr lang="en-US" smtClean="0"/>
-              <a:t>1/27/2023</a:t>
+              <a:t>2/1/2023</a:t>
             </a:fld>
             <a:endParaRPr lang="en-US"/>
           </a:p>
@@ -3305,7 +3306,7 @@
           <a:p>
             <a:fld id="{2425905D-C0C4-D040-B3F5-79CCA23FA4EB}" type="datetimeFigureOut">
               <a:rPr lang="en-US" smtClean="0"/>
-              <a:t>1/27/2023</a:t>
+              <a:t>2/1/2023</a:t>
             </a:fld>
             <a:endParaRPr lang="en-US"/>
           </a:p>
@@ -3594,7 +3595,7 @@
           <a:p>
             <a:fld id="{2425905D-C0C4-D040-B3F5-79CCA23FA4EB}" type="datetimeFigureOut">
               <a:rPr lang="en-US" smtClean="0"/>
-              <a:t>1/27/2023</a:t>
+              <a:t>2/1/2023</a:t>
             </a:fld>
             <a:endParaRPr lang="en-US"/>
           </a:p>
@@ -3837,7 +3838,7 @@
           <a:p>
             <a:fld id="{2425905D-C0C4-D040-B3F5-79CCA23FA4EB}" type="datetimeFigureOut">
               <a:rPr lang="en-US" smtClean="0"/>
-              <a:t>1/27/2023</a:t>
+              <a:t>2/1/2023</a:t>
             </a:fld>
             <a:endParaRPr lang="en-US"/>
           </a:p>
@@ -4475,6 +4476,255 @@
       </p:sp>
       <p:sp>
         <p:nvSpPr>
+          <p:cNvPr id="3" name="Content Placeholder 2">
+            <a:extLst>
+              <a:ext uri="{FF2B5EF4-FFF2-40B4-BE49-F238E27FC236}">
+                <a16:creationId xmlns:a16="http://schemas.microsoft.com/office/drawing/2014/main" id="{8F20472D-613F-3748-9CBD-88055CDB4B08}"/>
+              </a:ext>
+            </a:extLst>
+          </p:cNvPr>
+          <p:cNvSpPr>
+            <a:spLocks noGrp="1"/>
+          </p:cNvSpPr>
+          <p:nvPr>
+            <p:ph idx="1"/>
+          </p:nvPr>
+        </p:nvSpPr>
+        <p:spPr>
+          <a:xfrm>
+            <a:off x="838200" y="1825625"/>
+            <a:ext cx="10515600" cy="2705735"/>
+          </a:xfrm>
+        </p:spPr>
+        <p:txBody>
+          <a:bodyPr>
+            <a:normAutofit/>
+          </a:bodyPr>
+          <a:lstStyle/>
+          <a:p>
+            <a:pPr marL="0" indent="0">
+              <a:buNone/>
+            </a:pPr>
+            <a:r>
+              <a:rPr lang="en-US" sz="2400" dirty="0"/>
+              <a:t>Calculate the latency (from first bit sent to last bit received) for the following: </a:t>
+            </a:r>
+          </a:p>
+          <a:p>
+            <a:pPr marL="0" indent="0">
+              <a:buNone/>
+            </a:pPr>
+            <a:endParaRPr lang="en-US" sz="2400" dirty="0"/>
+          </a:p>
+          <a:p>
+            <a:pPr marL="0" indent="0">
+              <a:buNone/>
+            </a:pPr>
+            <a:r>
+              <a:rPr lang="en-US" sz="2400" dirty="0"/>
+              <a:t>(a) A 10-Mbps link with a single store-and-forward switch in the path, and a packet size of 5,000 bits. Assume that each section of the link introduces a propagation delay of 10 microseconds, and that the switch begins retransmitting immediately after it has finished receiving the packet. </a:t>
+            </a:r>
+          </a:p>
+        </p:txBody>
+      </p:sp>
+      <p:sp>
+        <p:nvSpPr>
+          <p:cNvPr id="7" name="TextBox 6">
+            <a:extLst>
+              <a:ext uri="{FF2B5EF4-FFF2-40B4-BE49-F238E27FC236}">
+                <a16:creationId xmlns:a16="http://schemas.microsoft.com/office/drawing/2014/main" id="{B4F2FCAB-565E-4178-BECE-B014B8B03F74}"/>
+              </a:ext>
+            </a:extLst>
+          </p:cNvPr>
+          <p:cNvSpPr txBox="1"/>
+          <p:nvPr/>
+        </p:nvSpPr>
+        <p:spPr>
+          <a:xfrm>
+            <a:off x="838200" y="4685185"/>
+            <a:ext cx="9260840" cy="461665"/>
+          </a:xfrm>
+          <a:prstGeom prst="rect">
+            <a:avLst/>
+          </a:prstGeom>
+          <a:noFill/>
+        </p:spPr>
+        <p:txBody>
+          <a:bodyPr wrap="square">
+            <a:spAutoFit/>
+          </a:bodyPr>
+          <a:lstStyle/>
+          <a:p>
+            <a:r>
+              <a:rPr lang="en-US" sz="2400" dirty="0">
+                <a:solidFill>
+                  <a:srgbClr val="FF0000"/>
+                </a:solidFill>
+              </a:rPr>
+              <a:t>(5000 b / 10Mbps + 10us) * 2 = 1.02ms</a:t>
+            </a:r>
+            <a:endParaRPr lang="en-HK" sz="2400" dirty="0">
+              <a:solidFill>
+                <a:srgbClr val="FF0000"/>
+              </a:solidFill>
+            </a:endParaRPr>
+          </a:p>
+        </p:txBody>
+      </p:sp>
+    </p:spTree>
+    <p:extLst>
+      <p:ext uri="{BB962C8B-B14F-4D97-AF65-F5344CB8AC3E}">
+        <p14:creationId xmlns:p14="http://schemas.microsoft.com/office/powerpoint/2010/main" val="4278079293"/>
+      </p:ext>
+    </p:extLst>
+  </p:cSld>
+  <p:clrMapOvr>
+    <a:masterClrMapping/>
+  </p:clrMapOvr>
+  <p:timing>
+    <p:tnLst>
+      <p:par>
+        <p:cTn id="1" dur="indefinite" restart="never" nodeType="tmRoot">
+          <p:childTnLst>
+            <p:seq concurrent="1" nextAc="seek">
+              <p:cTn id="2" dur="indefinite" nodeType="mainSeq">
+                <p:childTnLst>
+                  <p:par>
+                    <p:cTn id="3" fill="hold">
+                      <p:stCondLst>
+                        <p:cond delay="indefinite"/>
+                      </p:stCondLst>
+                      <p:childTnLst>
+                        <p:par>
+                          <p:cTn id="4" fill="hold">
+                            <p:stCondLst>
+                              <p:cond delay="0"/>
+                            </p:stCondLst>
+                            <p:childTnLst>
+                              <p:par>
+                                <p:cTn id="5" presetID="10" presetClass="entr" presetSubtype="0" fill="hold" grpId="0" nodeType="clickEffect">
+                                  <p:stCondLst>
+                                    <p:cond delay="0"/>
+                                  </p:stCondLst>
+                                  <p:childTnLst>
+                                    <p:set>
+                                      <p:cBhvr>
+                                        <p:cTn id="6" dur="1" fill="hold">
+                                          <p:stCondLst>
+                                            <p:cond delay="0"/>
+                                          </p:stCondLst>
+                                        </p:cTn>
+                                        <p:tgtEl>
+                                          <p:spTgt spid="7"/>
+                                        </p:tgtEl>
+                                        <p:attrNameLst>
+                                          <p:attrName>style.visibility</p:attrName>
+                                        </p:attrNameLst>
+                                      </p:cBhvr>
+                                      <p:to>
+                                        <p:strVal val="visible"/>
+                                      </p:to>
+                                    </p:set>
+                                    <p:animEffect transition="in" filter="fade">
+                                      <p:cBhvr>
+                                        <p:cTn id="7" dur="500"/>
+                                        <p:tgtEl>
+                                          <p:spTgt spid="7"/>
+                                        </p:tgtEl>
+                                      </p:cBhvr>
+                                    </p:animEffect>
+                                  </p:childTnLst>
+                                </p:cTn>
+                              </p:par>
+                            </p:childTnLst>
+                          </p:cTn>
+                        </p:par>
+                      </p:childTnLst>
+                    </p:cTn>
+                  </p:par>
+                </p:childTnLst>
+              </p:cTn>
+              <p:prevCondLst>
+                <p:cond evt="onPrev" delay="0">
+                  <p:tgtEl>
+                    <p:sldTgt/>
+                  </p:tgtEl>
+                </p:cond>
+              </p:prevCondLst>
+              <p:nextCondLst>
+                <p:cond evt="onNext" delay="0">
+                  <p:tgtEl>
+                    <p:sldTgt/>
+                  </p:tgtEl>
+                </p:cond>
+              </p:nextCondLst>
+            </p:seq>
+          </p:childTnLst>
+        </p:cTn>
+      </p:par>
+    </p:tnLst>
+    <p:bldLst>
+      <p:bldP spid="7" grpId="0"/>
+    </p:bldLst>
+  </p:timing>
+</p:sld>
+</file>
+
+<file path=ppt/slides/slide11.xml><?xml version="1.0" encoding="utf-8"?>
+<p:sld xmlns:a="http://schemas.openxmlformats.org/drawingml/2006/main" xmlns:r="http://schemas.openxmlformats.org/officeDocument/2006/relationships" xmlns:p="http://schemas.openxmlformats.org/presentationml/2006/main">
+  <p:cSld>
+    <p:spTree>
+      <p:nvGrpSpPr>
+        <p:cNvPr id="1" name=""/>
+        <p:cNvGrpSpPr/>
+        <p:nvPr/>
+      </p:nvGrpSpPr>
+      <p:grpSpPr>
+        <a:xfrm>
+          <a:off x="0" y="0"/>
+          <a:ext cx="0" cy="0"/>
+          <a:chOff x="0" y="0"/>
+          <a:chExt cx="0" cy="0"/>
+        </a:xfrm>
+      </p:grpSpPr>
+      <p:sp>
+        <p:nvSpPr>
+          <p:cNvPr id="2" name="Title 1">
+            <a:extLst>
+              <a:ext uri="{FF2B5EF4-FFF2-40B4-BE49-F238E27FC236}">
+                <a16:creationId xmlns:a16="http://schemas.microsoft.com/office/drawing/2014/main" id="{45C79BA1-37A3-5741-B0A1-E64646E4283C}"/>
+              </a:ext>
+            </a:extLst>
+          </p:cNvPr>
+          <p:cNvSpPr>
+            <a:spLocks noGrp="1"/>
+          </p:cNvSpPr>
+          <p:nvPr>
+            <p:ph type="title"/>
+          </p:nvPr>
+        </p:nvSpPr>
+        <p:spPr/>
+        <p:txBody>
+          <a:bodyPr/>
+          <a:lstStyle/>
+          <a:p>
+            <a:r>
+              <a:rPr lang="en-US" altLang="zh-CN" b="1" dirty="0"/>
+              <a:t>Exercise</a:t>
+            </a:r>
+            <a:r>
+              <a:rPr lang="zh-CN" altLang="en-US" b="1" dirty="0"/>
+              <a:t> </a:t>
+            </a:r>
+            <a:r>
+              <a:rPr lang="en-US" b="1" dirty="0"/>
+              <a:t>- Q2</a:t>
+            </a:r>
+          </a:p>
+        </p:txBody>
+      </p:sp>
+      <p:sp>
+        <p:nvSpPr>
           <p:cNvPr id="7" name="TextBox 6">
             <a:extLst>
               <a:ext uri="{FF2B5EF4-FFF2-40B4-BE49-F238E27FC236}">
@@ -4559,7 +4809,7 @@
 </p:sld>
 </file>
 
-<file path=ppt/slides/slide11.xml><?xml version="1.0" encoding="utf-8"?>
+<file path=ppt/slides/slide12.xml><?xml version="1.0" encoding="utf-8"?>
 <p:sld xmlns:a="http://schemas.openxmlformats.org/drawingml/2006/main" xmlns:r="http://schemas.openxmlformats.org/officeDocument/2006/relationships" xmlns:p="http://schemas.openxmlformats.org/presentationml/2006/main">
   <p:cSld>
     <p:spTree>
@@ -4808,7 +5058,7 @@
 </p:sld>
 </file>
 
-<file path=ppt/slides/slide12.xml><?xml version="1.0" encoding="utf-8"?>
+<file path=ppt/slides/slide13.xml><?xml version="1.0" encoding="utf-8"?>
 <p:sld xmlns:a="http://schemas.openxmlformats.org/drawingml/2006/main" xmlns:r="http://schemas.openxmlformats.org/officeDocument/2006/relationships" xmlns:p="http://schemas.openxmlformats.org/presentationml/2006/main">
   <p:cSld>
     <p:spTree>
@@ -4947,7 +5197,7 @@
 </p:sld>
 </file>
 
-<file path=ppt/slides/slide13.xml><?xml version="1.0" encoding="utf-8"?>
+<file path=ppt/slides/slide14.xml><?xml version="1.0" encoding="utf-8"?>
 <p:sld xmlns:a="http://schemas.openxmlformats.org/drawingml/2006/main" xmlns:r="http://schemas.openxmlformats.org/officeDocument/2006/relationships" xmlns:p="http://schemas.openxmlformats.org/presentationml/2006/main">
   <p:cSld>
     <p:spTree>
@@ -5138,34 +5388,6 @@
       </p:grpSpPr>
       <p:sp>
         <p:nvSpPr>
-          <p:cNvPr id="2" name="Title 1">
-            <a:extLst>
-              <a:ext uri="{FF2B5EF4-FFF2-40B4-BE49-F238E27FC236}">
-                <a16:creationId xmlns:a16="http://schemas.microsoft.com/office/drawing/2014/main" id="{45C79BA1-37A3-5741-B0A1-E64646E4283C}"/>
-              </a:ext>
-            </a:extLst>
-          </p:cNvPr>
-          <p:cNvSpPr>
-            <a:spLocks noGrp="1"/>
-          </p:cNvSpPr>
-          <p:nvPr>
-            <p:ph type="title"/>
-          </p:nvPr>
-        </p:nvSpPr>
-        <p:spPr/>
-        <p:txBody>
-          <a:bodyPr/>
-          <a:lstStyle/>
-          <a:p>
-            <a:r>
-              <a:rPr lang="en-US" b="1" dirty="0"/>
-              <a:t>Outline</a:t>
-            </a:r>
-          </a:p>
-        </p:txBody>
-      </p:sp>
-      <p:sp>
-        <p:nvSpPr>
           <p:cNvPr id="3" name="Content Placeholder 2">
             <a:extLst>
               <a:ext uri="{FF2B5EF4-FFF2-40B4-BE49-F238E27FC236}">
@@ -5214,6 +5436,34 @@
               <a:t>Exercise 2</a:t>
             </a:r>
             <a:endParaRPr lang="en-US" sz="3200" dirty="0"/>
+          </a:p>
+        </p:txBody>
+      </p:sp>
+      <p:sp>
+        <p:nvSpPr>
+          <p:cNvPr id="2" name="Title 1">
+            <a:extLst>
+              <a:ext uri="{FF2B5EF4-FFF2-40B4-BE49-F238E27FC236}">
+                <a16:creationId xmlns:a16="http://schemas.microsoft.com/office/drawing/2014/main" id="{45C79BA1-37A3-5741-B0A1-E64646E4283C}"/>
+              </a:ext>
+            </a:extLst>
+          </p:cNvPr>
+          <p:cNvSpPr>
+            <a:spLocks noGrp="1"/>
+          </p:cNvSpPr>
+          <p:nvPr>
+            <p:ph type="title"/>
+          </p:nvPr>
+        </p:nvSpPr>
+        <p:spPr/>
+        <p:txBody>
+          <a:bodyPr/>
+          <a:lstStyle/>
+          <a:p>
+            <a:r>
+              <a:rPr lang="en-US" b="1" dirty="0"/>
+              <a:t>Outline</a:t>
+            </a:r>
           </a:p>
         </p:txBody>
       </p:sp>
@@ -5329,34 +5579,524 @@
             </a:pPr>
             <a:endParaRPr lang="en-US" sz="3200" dirty="0"/>
           </a:p>
-          <a:p>
-            <a:r>
-              <a:rPr lang="en-US" sz="3200" dirty="0"/>
-              <a:t>Traffic mix and switch internals</a:t>
-            </a:r>
-          </a:p>
-          <a:p>
-            <a:pPr>
-              <a:buFont typeface="Courier New" panose="02070309020205020404" pitchFamily="49" charset="0"/>
-              <a:buChar char="o"/>
-            </a:pPr>
-            <a:r>
-              <a:rPr lang="en-US" dirty="0"/>
-              <a:t>Queuing delay</a:t>
-            </a:r>
-          </a:p>
-          <a:p>
-            <a:pPr>
-              <a:buFont typeface="Courier New" panose="02070309020205020404" pitchFamily="49" charset="0"/>
-              <a:buChar char="o"/>
-            </a:pPr>
-            <a:r>
-              <a:rPr lang="en-US" dirty="0"/>
-              <a:t>Processing delay (negligible)</a:t>
-            </a:r>
-          </a:p>
-        </p:txBody>
-      </p:sp>
+        </p:txBody>
+      </p:sp>
+      <p:grpSp>
+        <p:nvGrpSpPr>
+          <p:cNvPr id="28" name="Group 27">
+            <a:extLst>
+              <a:ext uri="{FF2B5EF4-FFF2-40B4-BE49-F238E27FC236}">
+                <a16:creationId xmlns:a16="http://schemas.microsoft.com/office/drawing/2014/main" id="{413EAC27-E08F-47FC-A318-3E4F125289D3}"/>
+              </a:ext>
+            </a:extLst>
+          </p:cNvPr>
+          <p:cNvGrpSpPr/>
+          <p:nvPr/>
+        </p:nvGrpSpPr>
+        <p:grpSpPr>
+          <a:xfrm>
+            <a:off x="4405745" y="2542309"/>
+            <a:ext cx="6891759" cy="3425391"/>
+            <a:chOff x="6016420" y="2075995"/>
+            <a:chExt cx="5976575" cy="3025796"/>
+          </a:xfrm>
+        </p:grpSpPr>
+        <p:grpSp>
+          <p:nvGrpSpPr>
+            <p:cNvPr id="4" name="Group 3">
+              <a:extLst>
+                <a:ext uri="{FF2B5EF4-FFF2-40B4-BE49-F238E27FC236}">
+                  <a16:creationId xmlns:a16="http://schemas.microsoft.com/office/drawing/2014/main" id="{7F763B62-D650-40E3-9114-5B0B776EAE3F}"/>
+                </a:ext>
+              </a:extLst>
+            </p:cNvPr>
+            <p:cNvGrpSpPr/>
+            <p:nvPr/>
+          </p:nvGrpSpPr>
+          <p:grpSpPr>
+            <a:xfrm>
+              <a:off x="7204375" y="2079313"/>
+              <a:ext cx="851584" cy="3022478"/>
+              <a:chOff x="8007939" y="1999795"/>
+              <a:chExt cx="851584" cy="3022478"/>
+            </a:xfrm>
+          </p:grpSpPr>
+          <p:cxnSp>
+            <p:nvCxnSpPr>
+              <p:cNvPr id="5" name="Straight Connector 4">
+                <a:extLst>
+                  <a:ext uri="{FF2B5EF4-FFF2-40B4-BE49-F238E27FC236}">
+                    <a16:creationId xmlns:a16="http://schemas.microsoft.com/office/drawing/2014/main" id="{B923C554-B0C4-419F-9F14-746DAE69886B}"/>
+                  </a:ext>
+                </a:extLst>
+              </p:cNvPr>
+              <p:cNvCxnSpPr>
+                <a:cxnSpLocks/>
+              </p:cNvCxnSpPr>
+              <p:nvPr/>
+            </p:nvCxnSpPr>
+            <p:spPr>
+              <a:xfrm>
+                <a:off x="8430490" y="2369127"/>
+                <a:ext cx="0" cy="2653146"/>
+              </a:xfrm>
+              <a:prstGeom prst="line">
+                <a:avLst/>
+              </a:prstGeom>
+              <a:ln w="12700"/>
+            </p:spPr>
+            <p:style>
+              <a:lnRef idx="1">
+                <a:schemeClr val="dk1"/>
+              </a:lnRef>
+              <a:fillRef idx="0">
+                <a:schemeClr val="dk1"/>
+              </a:fillRef>
+              <a:effectRef idx="0">
+                <a:schemeClr val="dk1"/>
+              </a:effectRef>
+              <a:fontRef idx="minor">
+                <a:schemeClr val="tx1"/>
+              </a:fontRef>
+            </p:style>
+          </p:cxnSp>
+          <p:sp>
+            <p:nvSpPr>
+              <p:cNvPr id="6" name="TextBox 5">
+                <a:extLst>
+                  <a:ext uri="{FF2B5EF4-FFF2-40B4-BE49-F238E27FC236}">
+                    <a16:creationId xmlns:a16="http://schemas.microsoft.com/office/drawing/2014/main" id="{9B7F972B-059F-4447-AF63-20C16818A38A}"/>
+                  </a:ext>
+                </a:extLst>
+              </p:cNvPr>
+              <p:cNvSpPr txBox="1"/>
+              <p:nvPr/>
+            </p:nvSpPr>
+            <p:spPr>
+              <a:xfrm>
+                <a:off x="8007939" y="1999795"/>
+                <a:ext cx="851584" cy="353434"/>
+              </a:xfrm>
+              <a:prstGeom prst="rect">
+                <a:avLst/>
+              </a:prstGeom>
+              <a:noFill/>
+              <a:ln w="12700">
+                <a:solidFill>
+                  <a:schemeClr val="bg1"/>
+                </a:solidFill>
+              </a:ln>
+            </p:spPr>
+            <p:txBody>
+              <a:bodyPr wrap="none" rtlCol="0">
+                <a:spAutoFit/>
+              </a:bodyPr>
+              <a:lstStyle/>
+              <a:p>
+                <a:r>
+                  <a:rPr lang="en-US" altLang="zh-CN" sz="2000" b="1" dirty="0"/>
+                  <a:t>Sender</a:t>
+                </a:r>
+                <a:endParaRPr lang="en-HK" sz="2000" b="1" dirty="0"/>
+              </a:p>
+            </p:txBody>
+          </p:sp>
+        </p:grpSp>
+        <p:cxnSp>
+          <p:nvCxnSpPr>
+            <p:cNvPr id="11" name="Straight Connector 10">
+              <a:extLst>
+                <a:ext uri="{FF2B5EF4-FFF2-40B4-BE49-F238E27FC236}">
+                  <a16:creationId xmlns:a16="http://schemas.microsoft.com/office/drawing/2014/main" id="{C12AA2FB-31FE-40EF-B8AA-62C4E760D0AF}"/>
+                </a:ext>
+              </a:extLst>
+            </p:cNvPr>
+            <p:cNvCxnSpPr/>
+            <p:nvPr/>
+          </p:nvCxnSpPr>
+          <p:spPr>
+            <a:xfrm>
+              <a:off x="7287502" y="2580264"/>
+              <a:ext cx="3262734" cy="0"/>
+            </a:xfrm>
+            <a:prstGeom prst="line">
+              <a:avLst/>
+            </a:prstGeom>
+            <a:ln w="12700" cap="flat" cmpd="sng" algn="ctr">
+              <a:solidFill>
+                <a:schemeClr val="dk1"/>
+              </a:solidFill>
+              <a:prstDash val="dash"/>
+              <a:round/>
+              <a:headEnd type="none" w="med" len="med"/>
+              <a:tailEnd type="none" w="med" len="med"/>
+            </a:ln>
+          </p:spPr>
+          <p:style>
+            <a:lnRef idx="0">
+              <a:scrgbClr r="0" g="0" b="0"/>
+            </a:lnRef>
+            <a:fillRef idx="0">
+              <a:scrgbClr r="0" g="0" b="0"/>
+            </a:fillRef>
+            <a:effectRef idx="0">
+              <a:scrgbClr r="0" g="0" b="0"/>
+            </a:effectRef>
+            <a:fontRef idx="minor">
+              <a:schemeClr val="tx1"/>
+            </a:fontRef>
+          </p:style>
+        </p:cxnSp>
+        <p:grpSp>
+          <p:nvGrpSpPr>
+            <p:cNvPr id="15" name="Group 14">
+              <a:extLst>
+                <a:ext uri="{FF2B5EF4-FFF2-40B4-BE49-F238E27FC236}">
+                  <a16:creationId xmlns:a16="http://schemas.microsoft.com/office/drawing/2014/main" id="{EDE616F1-3B30-41E1-9A2A-B0DD39EF5253}"/>
+                </a:ext>
+              </a:extLst>
+            </p:cNvPr>
+            <p:cNvGrpSpPr/>
+            <p:nvPr/>
+          </p:nvGrpSpPr>
+          <p:grpSpPr>
+            <a:xfrm>
+              <a:off x="9763485" y="2075995"/>
+              <a:ext cx="999551" cy="3025796"/>
+              <a:chOff x="7938143" y="1996477"/>
+              <a:chExt cx="999551" cy="3025796"/>
+            </a:xfrm>
+          </p:grpSpPr>
+          <p:cxnSp>
+            <p:nvCxnSpPr>
+              <p:cNvPr id="16" name="Straight Connector 15">
+                <a:extLst>
+                  <a:ext uri="{FF2B5EF4-FFF2-40B4-BE49-F238E27FC236}">
+                    <a16:creationId xmlns:a16="http://schemas.microsoft.com/office/drawing/2014/main" id="{B0E9F338-FFA9-422F-AD24-B7C4ABB06949}"/>
+                  </a:ext>
+                </a:extLst>
+              </p:cNvPr>
+              <p:cNvCxnSpPr>
+                <a:cxnSpLocks/>
+              </p:cNvCxnSpPr>
+              <p:nvPr/>
+            </p:nvCxnSpPr>
+            <p:spPr>
+              <a:xfrm>
+                <a:off x="8430490" y="2369127"/>
+                <a:ext cx="0" cy="2653146"/>
+              </a:xfrm>
+              <a:prstGeom prst="line">
+                <a:avLst/>
+              </a:prstGeom>
+              <a:ln w="12700"/>
+            </p:spPr>
+            <p:style>
+              <a:lnRef idx="1">
+                <a:schemeClr val="dk1"/>
+              </a:lnRef>
+              <a:fillRef idx="0">
+                <a:schemeClr val="dk1"/>
+              </a:fillRef>
+              <a:effectRef idx="0">
+                <a:schemeClr val="dk1"/>
+              </a:effectRef>
+              <a:fontRef idx="minor">
+                <a:schemeClr val="tx1"/>
+              </a:fontRef>
+            </p:style>
+          </p:cxnSp>
+          <p:sp>
+            <p:nvSpPr>
+              <p:cNvPr id="17" name="TextBox 16">
+                <a:extLst>
+                  <a:ext uri="{FF2B5EF4-FFF2-40B4-BE49-F238E27FC236}">
+                    <a16:creationId xmlns:a16="http://schemas.microsoft.com/office/drawing/2014/main" id="{D0B164B1-1E27-435E-818E-D5A3E813E1A1}"/>
+                  </a:ext>
+                </a:extLst>
+              </p:cNvPr>
+              <p:cNvSpPr txBox="1"/>
+              <p:nvPr/>
+            </p:nvSpPr>
+            <p:spPr>
+              <a:xfrm>
+                <a:off x="7938143" y="1996477"/>
+                <a:ext cx="999551" cy="353434"/>
+              </a:xfrm>
+              <a:prstGeom prst="rect">
+                <a:avLst/>
+              </a:prstGeom>
+              <a:noFill/>
+              <a:ln w="12700">
+                <a:noFill/>
+              </a:ln>
+            </p:spPr>
+            <p:txBody>
+              <a:bodyPr wrap="none" rtlCol="0">
+                <a:spAutoFit/>
+              </a:bodyPr>
+              <a:lstStyle/>
+              <a:p>
+                <a:r>
+                  <a:rPr lang="en-US" altLang="zh-CN" sz="2000" b="1" dirty="0"/>
+                  <a:t>Receiver</a:t>
+                </a:r>
+                <a:endParaRPr lang="en-HK" sz="2000" b="1" dirty="0"/>
+              </a:p>
+            </p:txBody>
+          </p:sp>
+        </p:grpSp>
+        <p:cxnSp>
+          <p:nvCxnSpPr>
+            <p:cNvPr id="19" name="Straight Arrow Connector 18">
+              <a:extLst>
+                <a:ext uri="{FF2B5EF4-FFF2-40B4-BE49-F238E27FC236}">
+                  <a16:creationId xmlns:a16="http://schemas.microsoft.com/office/drawing/2014/main" id="{A71689FA-5487-495C-A6D7-3F8B1058BCF8}"/>
+                </a:ext>
+              </a:extLst>
+            </p:cNvPr>
+            <p:cNvCxnSpPr/>
+            <p:nvPr/>
+          </p:nvCxnSpPr>
+          <p:spPr>
+            <a:xfrm>
+              <a:off x="7626926" y="2580264"/>
+              <a:ext cx="2628906" cy="526472"/>
+            </a:xfrm>
+            <a:prstGeom prst="straightConnector1">
+              <a:avLst/>
+            </a:prstGeom>
+            <a:ln w="12700">
+              <a:tailEnd type="triangle"/>
+            </a:ln>
+          </p:spPr>
+          <p:style>
+            <a:lnRef idx="1">
+              <a:schemeClr val="accent1"/>
+            </a:lnRef>
+            <a:fillRef idx="0">
+              <a:schemeClr val="accent1"/>
+            </a:fillRef>
+            <a:effectRef idx="0">
+              <a:schemeClr val="accent1"/>
+            </a:effectRef>
+            <a:fontRef idx="minor">
+              <a:schemeClr val="tx1"/>
+            </a:fontRef>
+          </p:style>
+        </p:cxnSp>
+        <p:cxnSp>
+          <p:nvCxnSpPr>
+            <p:cNvPr id="20" name="Straight Arrow Connector 19">
+              <a:extLst>
+                <a:ext uri="{FF2B5EF4-FFF2-40B4-BE49-F238E27FC236}">
+                  <a16:creationId xmlns:a16="http://schemas.microsoft.com/office/drawing/2014/main" id="{ABC2DA02-B551-41D3-ADC5-6E762A567E0B}"/>
+                </a:ext>
+              </a:extLst>
+            </p:cNvPr>
+            <p:cNvCxnSpPr/>
+            <p:nvPr/>
+          </p:nvCxnSpPr>
+          <p:spPr>
+            <a:xfrm>
+              <a:off x="7626926" y="4499119"/>
+              <a:ext cx="2628906" cy="526472"/>
+            </a:xfrm>
+            <a:prstGeom prst="straightConnector1">
+              <a:avLst/>
+            </a:prstGeom>
+            <a:ln w="12700">
+              <a:tailEnd type="triangle"/>
+            </a:ln>
+          </p:spPr>
+          <p:style>
+            <a:lnRef idx="1">
+              <a:schemeClr val="accent1"/>
+            </a:lnRef>
+            <a:fillRef idx="0">
+              <a:schemeClr val="accent1"/>
+            </a:fillRef>
+            <a:effectRef idx="0">
+              <a:schemeClr val="accent1"/>
+            </a:effectRef>
+            <a:fontRef idx="minor">
+              <a:schemeClr val="tx1"/>
+            </a:fontRef>
+          </p:style>
+        </p:cxnSp>
+        <p:sp>
+          <p:nvSpPr>
+            <p:cNvPr id="21" name="Right Brace 20">
+              <a:extLst>
+                <a:ext uri="{FF2B5EF4-FFF2-40B4-BE49-F238E27FC236}">
+                  <a16:creationId xmlns:a16="http://schemas.microsoft.com/office/drawing/2014/main" id="{1F7687EA-E3D3-47DD-844D-31C41471817F}"/>
+                </a:ext>
+              </a:extLst>
+            </p:cNvPr>
+            <p:cNvSpPr/>
+            <p:nvPr/>
+          </p:nvSpPr>
+          <p:spPr>
+            <a:xfrm>
+              <a:off x="10336894" y="2580263"/>
+              <a:ext cx="197942" cy="526472"/>
+            </a:xfrm>
+            <a:prstGeom prst="rightBrace">
+              <a:avLst/>
+            </a:prstGeom>
+            <a:ln w="12700">
+              <a:solidFill>
+                <a:schemeClr val="tx1"/>
+              </a:solidFill>
+            </a:ln>
+          </p:spPr>
+          <p:style>
+            <a:lnRef idx="1">
+              <a:schemeClr val="accent1"/>
+            </a:lnRef>
+            <a:fillRef idx="0">
+              <a:schemeClr val="accent1"/>
+            </a:fillRef>
+            <a:effectRef idx="0">
+              <a:schemeClr val="accent1"/>
+            </a:effectRef>
+            <a:fontRef idx="minor">
+              <a:schemeClr val="tx1"/>
+            </a:fontRef>
+          </p:style>
+          <p:txBody>
+            <a:bodyPr rtlCol="0" anchor="ctr"/>
+            <a:lstStyle/>
+            <a:p>
+              <a:pPr algn="ctr"/>
+              <a:endParaRPr lang="en-HK" sz="2000" b="1" dirty="0">
+                <a:highlight>
+                  <a:srgbClr val="000000"/>
+                </a:highlight>
+              </a:endParaRPr>
+            </a:p>
+          </p:txBody>
+        </p:sp>
+        <p:sp>
+          <p:nvSpPr>
+            <p:cNvPr id="23" name="TextBox 22">
+              <a:extLst>
+                <a:ext uri="{FF2B5EF4-FFF2-40B4-BE49-F238E27FC236}">
+                  <a16:creationId xmlns:a16="http://schemas.microsoft.com/office/drawing/2014/main" id="{A329A73E-472F-46A0-AF6F-65609AECBF45}"/>
+                </a:ext>
+              </a:extLst>
+            </p:cNvPr>
+            <p:cNvSpPr txBox="1"/>
+            <p:nvPr/>
+          </p:nvSpPr>
+          <p:spPr>
+            <a:xfrm>
+              <a:off x="10614455" y="2520334"/>
+              <a:ext cx="1378540" cy="646331"/>
+            </a:xfrm>
+            <a:prstGeom prst="rect">
+              <a:avLst/>
+            </a:prstGeom>
+            <a:noFill/>
+          </p:spPr>
+          <p:txBody>
+            <a:bodyPr wrap="square">
+              <a:spAutoFit/>
+            </a:bodyPr>
+            <a:lstStyle/>
+            <a:p>
+              <a:r>
+                <a:rPr lang="en-US" sz="2000" dirty="0"/>
+                <a:t>Propagation delay</a:t>
+              </a:r>
+            </a:p>
+          </p:txBody>
+        </p:sp>
+        <p:sp>
+          <p:nvSpPr>
+            <p:cNvPr id="24" name="Right Brace 23">
+              <a:extLst>
+                <a:ext uri="{FF2B5EF4-FFF2-40B4-BE49-F238E27FC236}">
+                  <a16:creationId xmlns:a16="http://schemas.microsoft.com/office/drawing/2014/main" id="{F8885BED-7AF8-4E02-94BB-187FBA97E1C0}"/>
+                </a:ext>
+              </a:extLst>
+            </p:cNvPr>
+            <p:cNvSpPr/>
+            <p:nvPr/>
+          </p:nvSpPr>
+          <p:spPr>
+            <a:xfrm rot="10800000">
+              <a:off x="7357161" y="2582410"/>
+              <a:ext cx="179843" cy="1918855"/>
+            </a:xfrm>
+            <a:prstGeom prst="rightBrace">
+              <a:avLst/>
+            </a:prstGeom>
+            <a:ln w="12700">
+              <a:solidFill>
+                <a:schemeClr val="tx1"/>
+              </a:solidFill>
+            </a:ln>
+          </p:spPr>
+          <p:style>
+            <a:lnRef idx="1">
+              <a:schemeClr val="accent1"/>
+            </a:lnRef>
+            <a:fillRef idx="0">
+              <a:schemeClr val="accent1"/>
+            </a:fillRef>
+            <a:effectRef idx="0">
+              <a:schemeClr val="accent1"/>
+            </a:effectRef>
+            <a:fontRef idx="minor">
+              <a:schemeClr val="tx1"/>
+            </a:fontRef>
+          </p:style>
+          <p:txBody>
+            <a:bodyPr rtlCol="0" anchor="ctr"/>
+            <a:lstStyle/>
+            <a:p>
+              <a:pPr algn="ctr"/>
+              <a:endParaRPr lang="en-HK" sz="2000" b="1"/>
+            </a:p>
+          </p:txBody>
+        </p:sp>
+        <p:sp>
+          <p:nvSpPr>
+            <p:cNvPr id="26" name="TextBox 25">
+              <a:extLst>
+                <a:ext uri="{FF2B5EF4-FFF2-40B4-BE49-F238E27FC236}">
+                  <a16:creationId xmlns:a16="http://schemas.microsoft.com/office/drawing/2014/main" id="{F6C2DB60-63E6-4A7D-A242-92FB87EAE5FE}"/>
+                </a:ext>
+              </a:extLst>
+            </p:cNvPr>
+            <p:cNvSpPr txBox="1"/>
+            <p:nvPr/>
+          </p:nvSpPr>
+          <p:spPr>
+            <a:xfrm>
+              <a:off x="6016420" y="3277497"/>
+              <a:ext cx="1383723" cy="646331"/>
+            </a:xfrm>
+            <a:prstGeom prst="rect">
+              <a:avLst/>
+            </a:prstGeom>
+            <a:noFill/>
+          </p:spPr>
+          <p:txBody>
+            <a:bodyPr wrap="square">
+              <a:spAutoFit/>
+            </a:bodyPr>
+            <a:lstStyle/>
+            <a:p>
+              <a:r>
+                <a:rPr lang="en-US" sz="2000" dirty="0"/>
+                <a:t>Transmission delay</a:t>
+              </a:r>
+            </a:p>
+          </p:txBody>
+        </p:sp>
+      </p:grpSp>
     </p:spTree>
     <p:extLst>
       <p:ext uri="{BB962C8B-B14F-4D97-AF65-F5344CB8AC3E}">
@@ -5410,7 +6150,7 @@
           <a:p>
             <a:r>
               <a:rPr lang="en-US" b="1" dirty="0"/>
-              <a:t>Performance Metrics - Throughput</a:t>
+              <a:t>Performance Metrics - Delay</a:t>
             </a:r>
           </a:p>
         </p:txBody>
@@ -5440,24 +6180,103 @@
           <a:p>
             <a:r>
               <a:rPr lang="en-US" sz="3200" dirty="0"/>
-              <a:t>Throughput = Data transferred / Transfer time</a:t>
-            </a:r>
-          </a:p>
-          <a:p>
-            <a:endParaRPr lang="en-US" sz="3200" dirty="0"/>
-          </a:p>
-          <a:p>
+              <a:t>Traffic mix and switch internals</a:t>
+            </a:r>
+          </a:p>
+          <a:p>
+            <a:pPr>
+              <a:buFont typeface="Courier New" panose="02070309020205020404" pitchFamily="49" charset="0"/>
+              <a:buChar char="o"/>
+            </a:pPr>
             <a:r>
               <a:rPr lang="en-US" dirty="0"/>
-              <a:t>Transfer time = transmission delay + propagation delay</a:t>
-            </a:r>
-          </a:p>
-        </p:txBody>
-      </p:sp>
+              <a:t>Queuing delay</a:t>
+            </a:r>
+          </a:p>
+          <a:p>
+            <a:pPr>
+              <a:buFont typeface="Courier New" panose="02070309020205020404" pitchFamily="49" charset="0"/>
+              <a:buChar char="o"/>
+            </a:pPr>
+            <a:r>
+              <a:rPr lang="en-US" dirty="0"/>
+              <a:t>Processing delay (negligible)</a:t>
+            </a:r>
+          </a:p>
+        </p:txBody>
+      </p:sp>
+      <p:sp>
+        <p:nvSpPr>
+          <p:cNvPr id="7" name="TextBox 6">
+            <a:extLst>
+              <a:ext uri="{FF2B5EF4-FFF2-40B4-BE49-F238E27FC236}">
+                <a16:creationId xmlns:a16="http://schemas.microsoft.com/office/drawing/2014/main" id="{EE081220-A227-48C1-BD9E-0AC99BAA9538}"/>
+              </a:ext>
+            </a:extLst>
+          </p:cNvPr>
+          <p:cNvSpPr txBox="1"/>
+          <p:nvPr/>
+        </p:nvSpPr>
+        <p:spPr>
+          <a:xfrm>
+            <a:off x="477982" y="6329341"/>
+            <a:ext cx="6563463" cy="338554"/>
+          </a:xfrm>
+          <a:prstGeom prst="rect">
+            <a:avLst/>
+          </a:prstGeom>
+          <a:noFill/>
+        </p:spPr>
+        <p:txBody>
+          <a:bodyPr wrap="none" rtlCol="0">
+            <a:spAutoFit/>
+          </a:bodyPr>
+          <a:lstStyle/>
+          <a:p>
+            <a:r>
+              <a:rPr lang="en-US" sz="1600" dirty="0">
+                <a:hlinkClick r:id="rId2"/>
+              </a:rPr>
+              <a:t>[1] Graphical_Description_of_Network_Delay.png (428×233) (wikimedia.org)</a:t>
+            </a:r>
+            <a:endParaRPr lang="en-HK" sz="1600" dirty="0"/>
+          </a:p>
+        </p:txBody>
+      </p:sp>
+      <p:pic>
+        <p:nvPicPr>
+          <p:cNvPr id="9" name="Picture 8" descr="Diagram&#10;&#10;Description automatically generated">
+            <a:extLst>
+              <a:ext uri="{FF2B5EF4-FFF2-40B4-BE49-F238E27FC236}">
+                <a16:creationId xmlns:a16="http://schemas.microsoft.com/office/drawing/2014/main" id="{EEC492E9-D4EE-4DD8-B9DE-58DAD6BF825C}"/>
+              </a:ext>
+            </a:extLst>
+          </p:cNvPr>
+          <p:cNvPicPr>
+            <a:picLocks noChangeAspect="1"/>
+          </p:cNvPicPr>
+          <p:nvPr/>
+        </p:nvPicPr>
+        <p:blipFill>
+          <a:blip r:embed="rId3"/>
+          <a:stretch>
+            <a:fillRect/>
+          </a:stretch>
+        </p:blipFill>
+        <p:spPr>
+          <a:xfrm>
+            <a:off x="5854578" y="2673927"/>
+            <a:ext cx="5767781" cy="3139353"/>
+          </a:xfrm>
+          <a:prstGeom prst="rect">
+            <a:avLst/>
+          </a:prstGeom>
+        </p:spPr>
+      </p:pic>
     </p:spTree>
     <p:extLst>
       <p:ext uri="{BB962C8B-B14F-4D97-AF65-F5344CB8AC3E}">
-        <p14:creationId xmlns:p14="http://schemas.microsoft.com/office/powerpoint/2010/main" val="1460982116"/>
+        <p14:creationId xmlns:p14="http://schemas.microsoft.com/office/powerpoint/2010/main" val="3183230010"/>
       </p:ext>
     </p:extLst>
   </p:cSld>
@@ -5506,16 +6325,8 @@
           <a:lstStyle/>
           <a:p>
             <a:r>
-              <a:rPr lang="en-US" altLang="zh-CN" b="1" dirty="0"/>
-              <a:t>Exercise</a:t>
-            </a:r>
-            <a:r>
-              <a:rPr lang="zh-CN" altLang="en-US" b="1" dirty="0"/>
-              <a:t> </a:t>
-            </a:r>
-            <a:r>
               <a:rPr lang="en-US" b="1" dirty="0"/>
-              <a:t>- Q1</a:t>
+              <a:t>Performance Metrics - Throughput</a:t>
             </a:r>
           </a:p>
         </p:txBody>
@@ -5536,105 +6347,25 @@
             <p:ph idx="1"/>
           </p:nvPr>
         </p:nvSpPr>
-        <p:spPr>
-          <a:xfrm>
-            <a:off x="838200" y="1825625"/>
-            <a:ext cx="10515600" cy="2705735"/>
-          </a:xfrm>
-        </p:spPr>
+        <p:spPr/>
         <p:txBody>
           <a:bodyPr>
             <a:normAutofit/>
           </a:bodyPr>
           <a:lstStyle/>
           <a:p>
-            <a:pPr marL="0" indent="0">
-              <a:buNone/>
-            </a:pPr>
-            <a:r>
-              <a:rPr lang="en-US" sz="2400" dirty="0"/>
-              <a:t>Suppose a 100-Mbps point-to-point link is being set up between Earth and a new lunar colony. </a:t>
-            </a:r>
-          </a:p>
-          <a:p>
-            <a:pPr marL="0" indent="0">
-              <a:buNone/>
-            </a:pPr>
-            <a:r>
-              <a:rPr lang="en-US" sz="2400" dirty="0"/>
-              <a:t>The distance from the moon to Earth is approximately 385,000 km, and data travels over the link at the speed of light = 3∗10^8 m/s.</a:t>
-            </a:r>
-          </a:p>
-          <a:p>
-            <a:pPr marL="0" indent="0">
-              <a:buNone/>
-            </a:pPr>
-            <a:endParaRPr lang="en-US" sz="2400" dirty="0"/>
-          </a:p>
-          <a:p>
-            <a:pPr marL="0" indent="0">
-              <a:buNone/>
-            </a:pPr>
-            <a:r>
-              <a:rPr lang="en-US" sz="2400" dirty="0"/>
-              <a:t>(a) Calculate the minimum RTT</a:t>
-            </a:r>
-            <a:r>
-              <a:rPr lang="en-US" altLang="zh-CN" sz="2400" dirty="0"/>
-              <a:t>(round-trip time)</a:t>
-            </a:r>
-            <a:r>
-              <a:rPr lang="en-US" sz="2400" dirty="0"/>
-              <a:t> for the link. </a:t>
-            </a:r>
-          </a:p>
-        </p:txBody>
-      </p:sp>
-      <p:sp>
-        <p:nvSpPr>
-          <p:cNvPr id="7" name="TextBox 6">
-            <a:extLst>
-              <a:ext uri="{FF2B5EF4-FFF2-40B4-BE49-F238E27FC236}">
-                <a16:creationId xmlns:a16="http://schemas.microsoft.com/office/drawing/2014/main" id="{B4F2FCAB-565E-4178-BECE-B014B8B03F74}"/>
-              </a:ext>
-            </a:extLst>
-          </p:cNvPr>
-          <p:cNvSpPr txBox="1"/>
-          <p:nvPr/>
-        </p:nvSpPr>
-        <p:spPr>
-          <a:xfrm>
-            <a:off x="838200" y="4970195"/>
-            <a:ext cx="9260840" cy="830997"/>
-          </a:xfrm>
-          <a:prstGeom prst="rect">
-            <a:avLst/>
-          </a:prstGeom>
-          <a:noFill/>
-        </p:spPr>
-        <p:txBody>
-          <a:bodyPr wrap="square">
-            <a:spAutoFit/>
-          </a:bodyPr>
-          <a:lstStyle/>
-          <a:p>
-            <a:r>
-              <a:rPr lang="en-HK" sz="2400" dirty="0">
-                <a:solidFill>
-                  <a:srgbClr val="FF0000"/>
-                </a:solidFill>
-              </a:rPr>
-              <a:t>propagation delay = 385000 km / (3 * 10^5 km/s) = 1.28333s</a:t>
-            </a:r>
-          </a:p>
-          <a:p>
-            <a:r>
-              <a:rPr lang="en-HK" sz="2400" dirty="0">
-                <a:solidFill>
-                  <a:srgbClr val="FF0000"/>
-                </a:solidFill>
-              </a:rPr>
-              <a:t>RTT = 2 * propagation delay =  2 * 1.28333 = 2.56666s</a:t>
+            <a:r>
+              <a:rPr lang="en-US" sz="3200" dirty="0"/>
+              <a:t>Throughput = Data transferred / Transfer time</a:t>
+            </a:r>
+          </a:p>
+          <a:p>
+            <a:endParaRPr lang="en-US" sz="3200" dirty="0"/>
+          </a:p>
+          <a:p>
+            <a:r>
+              <a:rPr lang="en-US" sz="3200" dirty="0"/>
+              <a:t>Transfer time = transmission delay + propagation delay</a:t>
             </a:r>
           </a:p>
         </p:txBody>
@@ -5642,99 +6373,13 @@
     </p:spTree>
     <p:extLst>
       <p:ext uri="{BB962C8B-B14F-4D97-AF65-F5344CB8AC3E}">
-        <p14:creationId xmlns:p14="http://schemas.microsoft.com/office/powerpoint/2010/main" val="746100141"/>
+        <p14:creationId xmlns:p14="http://schemas.microsoft.com/office/powerpoint/2010/main" val="1460982116"/>
       </p:ext>
     </p:extLst>
   </p:cSld>
   <p:clrMapOvr>
     <a:masterClrMapping/>
   </p:clrMapOvr>
-  <p:timing>
-    <p:tnLst>
-      <p:par>
-        <p:cTn id="1" dur="indefinite" restart="never" nodeType="tmRoot">
-          <p:childTnLst>
-            <p:seq concurrent="1" nextAc="seek">
-              <p:cTn id="2" dur="indefinite" nodeType="mainSeq">
-                <p:childTnLst>
-                  <p:par>
-                    <p:cTn id="3" fill="hold">
-                      <p:stCondLst>
-                        <p:cond delay="indefinite"/>
-                      </p:stCondLst>
-                      <p:childTnLst>
-                        <p:par>
-                          <p:cTn id="4" fill="hold">
-                            <p:stCondLst>
-                              <p:cond delay="0"/>
-                            </p:stCondLst>
-                            <p:childTnLst>
-                              <p:par>
-                                <p:cTn id="5" presetID="10" presetClass="entr" presetSubtype="0" fill="hold" grpId="0" nodeType="clickEffect">
-                                  <p:stCondLst>
-                                    <p:cond delay="0"/>
-                                  </p:stCondLst>
-                                  <p:childTnLst>
-                                    <p:set>
-                                      <p:cBhvr>
-                                        <p:cTn id="6" dur="1" fill="hold">
-                                          <p:stCondLst>
-                                            <p:cond delay="0"/>
-                                          </p:stCondLst>
-                                        </p:cTn>
-                                        <p:tgtEl>
-                                          <p:spTgt spid="7"/>
-                                        </p:tgtEl>
-                                        <p:attrNameLst>
-                                          <p:attrName>style.visibility</p:attrName>
-                                        </p:attrNameLst>
-                                      </p:cBhvr>
-                                      <p:to>
-                                        <p:strVal val="visible"/>
-                                      </p:to>
-                                    </p:set>
-                                    <p:animEffect transition="in" filter="fade">
-                                      <p:cBhvr>
-                                        <p:cTn id="7" dur="500"/>
-                                        <p:tgtEl>
-                                          <p:spTgt spid="7"/>
-                                        </p:tgtEl>
-                                      </p:cBhvr>
-                                    </p:animEffect>
-                                  </p:childTnLst>
-                                </p:cTn>
-                              </p:par>
-                            </p:childTnLst>
-                          </p:cTn>
-                        </p:par>
-                      </p:childTnLst>
-                    </p:cTn>
-                  </p:par>
-                </p:childTnLst>
-              </p:cTn>
-              <p:prevCondLst>
-                <p:cond evt="onPrev" delay="0">
-                  <p:tgtEl>
-                    <p:sldTgt/>
-                  </p:tgtEl>
-                </p:cond>
-              </p:prevCondLst>
-              <p:nextCondLst>
-                <p:cond evt="onNext" delay="0">
-                  <p:tgtEl>
-                    <p:sldTgt/>
-                  </p:tgtEl>
-                </p:cond>
-              </p:nextCondLst>
-            </p:seq>
-          </p:childTnLst>
-        </p:cTn>
-      </p:par>
-    </p:tnLst>
-    <p:bldLst>
-      <p:bldP spid="7" grpId="0"/>
-    </p:bldLst>
-  </p:timing>
 </p:sld>
 </file>
 
@@ -5809,13 +6454,13 @@
         </p:nvSpPr>
         <p:spPr>
           <a:xfrm>
-            <a:off x="838200" y="1771439"/>
+            <a:off x="838200" y="1825625"/>
             <a:ext cx="10515600" cy="2705735"/>
           </a:xfrm>
         </p:spPr>
         <p:txBody>
           <a:bodyPr>
-            <a:noAutofit/>
+            <a:normAutofit/>
           </a:bodyPr>
           <a:lstStyle/>
           <a:p>
@@ -5838,22 +6483,25 @@
           </a:p>
           <a:p>
             <a:pPr marL="0" indent="0">
-              <a:lnSpc>
-                <a:spcPct val="100000"/>
-              </a:lnSpc>
               <a:buNone/>
             </a:pPr>
+            <a:endParaRPr lang="en-US" sz="2400" dirty="0"/>
+          </a:p>
+          <a:p>
+            <a:pPr marL="0" indent="0">
+              <a:buNone/>
+            </a:pPr>
             <a:r>
               <a:rPr lang="en-US" sz="2400" dirty="0"/>
-              <a:t>(b) Suppose Mission Control on Earth wishes to download a 25MB (1MB = 10^6B) image from a camera on the lunar base.</a:t>
-            </a:r>
-            <a:r>
-              <a:rPr lang="zh-CN" altLang="en-US" sz="2400" dirty="0"/>
-              <a:t> </a:t>
+              <a:t>(a) Calculate the minimum RTT</a:t>
+            </a:r>
+            <a:r>
+              <a:rPr lang="en-US" altLang="zh-CN" sz="2400" dirty="0"/>
+              <a:t>(round-trip time)</a:t>
             </a:r>
             <a:r>
               <a:rPr lang="en-US" sz="2400" dirty="0"/>
-              <a:t>What is the minimum amount of time that will elapse between when the request for the data goes out and the transfer is finished? Throughput?</a:t>
+              <a:t> for the link. </a:t>
             </a:r>
           </a:p>
         </p:txBody>
@@ -5872,8 +6520,8 @@
         </p:nvSpPr>
         <p:spPr>
           <a:xfrm>
-            <a:off x="790786" y="5157912"/>
-            <a:ext cx="9260840" cy="1200329"/>
+            <a:off x="838200" y="4970195"/>
+            <a:ext cx="9260840" cy="830997"/>
           </a:xfrm>
           <a:prstGeom prst="rect">
             <a:avLst/>
@@ -5887,48 +6535,22 @@
           <a:lstStyle/>
           <a:p>
             <a:r>
-              <a:rPr lang="en-US" sz="2400" dirty="0">
+              <a:rPr lang="en-HK" sz="2400" dirty="0">
                 <a:solidFill>
                   <a:srgbClr val="FF0000"/>
                 </a:solidFill>
               </a:rPr>
-              <a:t>transmission delay = 25MB / 100Mbps = 25 * 8 / 100 = 2s </a:t>
-            </a:r>
-          </a:p>
-          <a:p>
-            <a:r>
-              <a:rPr lang="en-US" sz="2400" dirty="0">
+              <a:t>propagation delay = 385000 km / (3 * 10^5 km/s) = 1.28333s</a:t>
+            </a:r>
+          </a:p>
+          <a:p>
+            <a:r>
+              <a:rPr lang="en-HK" sz="2400" dirty="0">
                 <a:solidFill>
                   <a:srgbClr val="FF0000"/>
                 </a:solidFill>
               </a:rPr>
-              <a:t>delay = RTT + transmission delay = 2.5666 + 2 = </a:t>
-            </a:r>
-            <a:r>
-              <a:rPr lang="en-US" sz="2400">
-                <a:solidFill>
-                  <a:srgbClr val="FF0000"/>
-                </a:solidFill>
-              </a:rPr>
-              <a:t>4.5666s </a:t>
-            </a:r>
-          </a:p>
-          <a:p>
-            <a:r>
-              <a:rPr lang="en-US" sz="2400">
-                <a:solidFill>
-                  <a:srgbClr val="FF0000"/>
-                </a:solidFill>
-              </a:rPr>
-              <a:t>throughput </a:t>
-            </a:r>
-            <a:r>
-              <a:rPr lang="en-US" sz="2400" dirty="0">
-                <a:solidFill>
-                  <a:srgbClr val="FF0000"/>
-                </a:solidFill>
-              </a:rPr>
-              <a:t>= 25MB * 8 / (2s + 1.28333s) = 60.9 Mbps </a:t>
+              <a:t>RTT = 2 * propagation delay =  2 * 1.28333 = 2.56666s</a:t>
             </a:r>
           </a:p>
         </p:txBody>
@@ -5936,7 +6558,7 @@
     </p:spTree>
     <p:extLst>
       <p:ext uri="{BB962C8B-B14F-4D97-AF65-F5344CB8AC3E}">
-        <p14:creationId xmlns:p14="http://schemas.microsoft.com/office/powerpoint/2010/main" val="11664182"/>
+        <p14:creationId xmlns:p14="http://schemas.microsoft.com/office/powerpoint/2010/main" val="746100141"/>
       </p:ext>
     </p:extLst>
   </p:cSld>
@@ -6132,28 +6754,22 @@
           </a:p>
           <a:p>
             <a:pPr marL="0" indent="0">
+              <a:lnSpc>
+                <a:spcPct val="100000"/>
+              </a:lnSpc>
               <a:buNone/>
             </a:pPr>
-            <a:endParaRPr lang="en-US" sz="2400" dirty="0"/>
-          </a:p>
-          <a:p>
-            <a:pPr marL="0" indent="0">
-              <a:lnSpc>
-                <a:spcPct val="110000"/>
-              </a:lnSpc>
-              <a:buNone/>
-            </a:pPr>
             <a:r>
               <a:rPr lang="en-US" sz="2400" dirty="0"/>
-              <a:t>(</a:t>
-            </a:r>
-            <a:r>
-              <a:rPr lang="en-US" altLang="zh-CN" sz="2400" dirty="0"/>
-              <a:t>c</a:t>
+              <a:t>(b) Suppose Mission Control on Earth wishes to download a 25MB (1MB = 10^6B) image from a camera on the lunar base.</a:t>
+            </a:r>
+            <a:r>
+              <a:rPr lang="zh-CN" altLang="en-US" sz="2400" dirty="0"/>
+              <a:t> </a:t>
             </a:r>
             <a:r>
               <a:rPr lang="en-US" sz="2400" dirty="0"/>
-              <a:t>) The maximum number of flying bits on the link?</a:t>
+              <a:t>What is the minimum amount of time that will elapse between when the request for the data goes out and the transfer is finished? Throughput?</a:t>
             </a:r>
           </a:p>
         </p:txBody>
@@ -6172,8 +6788,8 @@
         </p:nvSpPr>
         <p:spPr>
           <a:xfrm>
-            <a:off x="790786" y="4983741"/>
-            <a:ext cx="9260840" cy="830997"/>
+            <a:off x="790786" y="5157912"/>
+            <a:ext cx="9260840" cy="1200329"/>
           </a:xfrm>
           <a:prstGeom prst="rect">
             <a:avLst/>
@@ -6192,7 +6808,7 @@
                   <a:srgbClr val="FF0000"/>
                 </a:solidFill>
               </a:rPr>
-              <a:t># bits = propagation delay * bandwidth</a:t>
+              <a:t>transmission delay = 25MB / 100Mbps = 25 * 8 / 100 = 2s </a:t>
             </a:r>
           </a:p>
           <a:p>
@@ -6202,20 +6818,25 @@
                   <a:srgbClr val="FF0000"/>
                 </a:solidFill>
               </a:rPr>
-              <a:t>           = 1.28333s * 100Mbps = 1.28333 * 10^8</a:t>
-            </a:r>
-            <a:endParaRPr lang="en-HK" sz="2400" dirty="0">
-              <a:solidFill>
-                <a:srgbClr val="FF0000"/>
-              </a:solidFill>
-            </a:endParaRPr>
+              <a:t>delay = RTT + transmission delay = 2.5666 + 2 = 4.5666s </a:t>
+            </a:r>
+          </a:p>
+          <a:p>
+            <a:r>
+              <a:rPr lang="en-US" sz="2400" dirty="0">
+                <a:solidFill>
+                  <a:srgbClr val="FF0000"/>
+                </a:solidFill>
+              </a:rPr>
+              <a:t>throughput = 25MB * 8 / (2s + 1.28333s) = 60.9 Mbps </a:t>
+            </a:r>
           </a:p>
         </p:txBody>
       </p:sp>
     </p:spTree>
     <p:extLst>
       <p:ext uri="{BB962C8B-B14F-4D97-AF65-F5344CB8AC3E}">
-        <p14:creationId xmlns:p14="http://schemas.microsoft.com/office/powerpoint/2010/main" val="442365464"/>
+        <p14:creationId xmlns:p14="http://schemas.microsoft.com/office/powerpoint/2010/main" val="11664182"/>
       </p:ext>
     </p:extLst>
   </p:cSld>
@@ -6359,7 +6980,7 @@
             </a:r>
             <a:r>
               <a:rPr lang="en-US" b="1" dirty="0"/>
-              <a:t>- Q2</a:t>
+              <a:t>- Q1</a:t>
             </a:r>
           </a:p>
         </p:txBody>
@@ -6382,13 +7003,13 @@
         </p:nvSpPr>
         <p:spPr>
           <a:xfrm>
-            <a:off x="838200" y="1825625"/>
+            <a:off x="838200" y="1771439"/>
             <a:ext cx="10515600" cy="2705735"/>
           </a:xfrm>
         </p:spPr>
         <p:txBody>
           <a:bodyPr>
-            <a:normAutofit/>
+            <a:noAutofit/>
           </a:bodyPr>
           <a:lstStyle/>
           <a:p>
@@ -6397,7 +7018,16 @@
             </a:pPr>
             <a:r>
               <a:rPr lang="en-US" sz="2400" dirty="0"/>
-              <a:t>Calculate the latency (from first bit sent to last bit received) for the following: </a:t>
+              <a:t>Suppose a 100-Mbps point-to-point link is being set up between Earth and a new lunar colony. </a:t>
+            </a:r>
+          </a:p>
+          <a:p>
+            <a:pPr marL="0" indent="0">
+              <a:buNone/>
+            </a:pPr>
+            <a:r>
+              <a:rPr lang="en-US" sz="2400" dirty="0"/>
+              <a:t>The distance from the moon to Earth is approximately 385,000 km, and data travels over the link at the speed of light = 3∗10^8 m/s.</a:t>
             </a:r>
           </a:p>
           <a:p>
@@ -6408,11 +7038,22 @@
           </a:p>
           <a:p>
             <a:pPr marL="0" indent="0">
+              <a:lnSpc>
+                <a:spcPct val="110000"/>
+              </a:lnSpc>
               <a:buNone/>
             </a:pPr>
             <a:r>
               <a:rPr lang="en-US" sz="2400" dirty="0"/>
-              <a:t>(a) A 10-Mbps link with a single store-and-forward switch in the path, and a packet size of 5,000 bits. Assume that each section of the link introduces a propagation delay of 10 microseconds, and that the switch begins retransmitting immediately after it has finished receiving the packet. </a:t>
+              <a:t>(</a:t>
+            </a:r>
+            <a:r>
+              <a:rPr lang="en-US" altLang="zh-CN" sz="2400" dirty="0"/>
+              <a:t>c</a:t>
+            </a:r>
+            <a:r>
+              <a:rPr lang="en-US" sz="2400" dirty="0"/>
+              <a:t>) The maximum number of flying bits on the link?</a:t>
             </a:r>
           </a:p>
         </p:txBody>
@@ -6431,8 +7072,8 @@
         </p:nvSpPr>
         <p:spPr>
           <a:xfrm>
-            <a:off x="838200" y="4685185"/>
-            <a:ext cx="9260840" cy="461665"/>
+            <a:off x="790786" y="4983741"/>
+            <a:ext cx="9260840" cy="830997"/>
           </a:xfrm>
           <a:prstGeom prst="rect">
             <a:avLst/>
@@ -6451,7 +7092,17 @@
                   <a:srgbClr val="FF0000"/>
                 </a:solidFill>
               </a:rPr>
-              <a:t>(5000 b / 10Mbps + 10us) * 2 = 1.02ms</a:t>
+              <a:t># bits = propagation delay * bandwidth</a:t>
+            </a:r>
+          </a:p>
+          <a:p>
+            <a:r>
+              <a:rPr lang="en-US" sz="2400" dirty="0">
+                <a:solidFill>
+                  <a:srgbClr val="FF0000"/>
+                </a:solidFill>
+              </a:rPr>
+              <a:t>           = 1.28333s * 100Mbps = 1.28333 * 10^8</a:t>
             </a:r>
             <a:endParaRPr lang="en-HK" sz="2400" dirty="0">
               <a:solidFill>
@@ -6464,7 +7115,7 @@
     </p:spTree>
     <p:extLst>
       <p:ext uri="{BB962C8B-B14F-4D97-AF65-F5344CB8AC3E}">
-        <p14:creationId xmlns:p14="http://schemas.microsoft.com/office/powerpoint/2010/main" val="4278079293"/>
+        <p14:creationId xmlns:p14="http://schemas.microsoft.com/office/powerpoint/2010/main" val="442365464"/>
       </p:ext>
     </p:extLst>
   </p:cSld>

--- a/tutorial/T02/tut02.pptx
+++ b/tutorial/T02/tut02.pptx
@@ -1169,7 +1169,7 @@
           <a:p>
             <a:fld id="{2425905D-C0C4-D040-B3F5-79CCA23FA4EB}" type="datetimeFigureOut">
               <a:rPr lang="en-US" smtClean="0"/>
-              <a:t>9/6/2023</a:t>
+              <a:t>9/13/2023</a:t>
             </a:fld>
             <a:endParaRPr lang="en-US"/>
           </a:p>
@@ -1369,7 +1369,7 @@
           <a:p>
             <a:fld id="{2425905D-C0C4-D040-B3F5-79CCA23FA4EB}" type="datetimeFigureOut">
               <a:rPr lang="en-US" smtClean="0"/>
-              <a:t>9/6/2023</a:t>
+              <a:t>9/13/2023</a:t>
             </a:fld>
             <a:endParaRPr lang="en-US"/>
           </a:p>
@@ -1579,7 +1579,7 @@
           <a:p>
             <a:fld id="{2425905D-C0C4-D040-B3F5-79CCA23FA4EB}" type="datetimeFigureOut">
               <a:rPr lang="en-US" smtClean="0"/>
-              <a:t>9/6/2023</a:t>
+              <a:t>9/13/2023</a:t>
             </a:fld>
             <a:endParaRPr lang="en-US"/>
           </a:p>
@@ -1779,7 +1779,7 @@
           <a:p>
             <a:fld id="{2425905D-C0C4-D040-B3F5-79CCA23FA4EB}" type="datetimeFigureOut">
               <a:rPr lang="en-US" smtClean="0"/>
-              <a:t>9/6/2023</a:t>
+              <a:t>9/13/2023</a:t>
             </a:fld>
             <a:endParaRPr lang="en-US"/>
           </a:p>
@@ -2055,7 +2055,7 @@
           <a:p>
             <a:fld id="{2425905D-C0C4-D040-B3F5-79CCA23FA4EB}" type="datetimeFigureOut">
               <a:rPr lang="en-US" smtClean="0"/>
-              <a:t>9/6/2023</a:t>
+              <a:t>9/13/2023</a:t>
             </a:fld>
             <a:endParaRPr lang="en-US"/>
           </a:p>
@@ -2323,7 +2323,7 @@
           <a:p>
             <a:fld id="{2425905D-C0C4-D040-B3F5-79CCA23FA4EB}" type="datetimeFigureOut">
               <a:rPr lang="en-US" smtClean="0"/>
-              <a:t>9/6/2023</a:t>
+              <a:t>9/13/2023</a:t>
             </a:fld>
             <a:endParaRPr lang="en-US"/>
           </a:p>
@@ -2738,7 +2738,7 @@
           <a:p>
             <a:fld id="{2425905D-C0C4-D040-B3F5-79CCA23FA4EB}" type="datetimeFigureOut">
               <a:rPr lang="en-US" smtClean="0"/>
-              <a:t>9/6/2023</a:t>
+              <a:t>9/13/2023</a:t>
             </a:fld>
             <a:endParaRPr lang="en-US"/>
           </a:p>
@@ -2880,7 +2880,7 @@
           <a:p>
             <a:fld id="{2425905D-C0C4-D040-B3F5-79CCA23FA4EB}" type="datetimeFigureOut">
               <a:rPr lang="en-US" smtClean="0"/>
-              <a:t>9/6/2023</a:t>
+              <a:t>9/13/2023</a:t>
             </a:fld>
             <a:endParaRPr lang="en-US"/>
           </a:p>
@@ -2993,7 +2993,7 @@
           <a:p>
             <a:fld id="{2425905D-C0C4-D040-B3F5-79CCA23FA4EB}" type="datetimeFigureOut">
               <a:rPr lang="en-US" smtClean="0"/>
-              <a:t>9/6/2023</a:t>
+              <a:t>9/13/2023</a:t>
             </a:fld>
             <a:endParaRPr lang="en-US"/>
           </a:p>
@@ -3306,7 +3306,7 @@
           <a:p>
             <a:fld id="{2425905D-C0C4-D040-B3F5-79CCA23FA4EB}" type="datetimeFigureOut">
               <a:rPr lang="en-US" smtClean="0"/>
-              <a:t>9/6/2023</a:t>
+              <a:t>9/13/2023</a:t>
             </a:fld>
             <a:endParaRPr lang="en-US"/>
           </a:p>
@@ -3595,7 +3595,7 @@
           <a:p>
             <a:fld id="{2425905D-C0C4-D040-B3F5-79CCA23FA4EB}" type="datetimeFigureOut">
               <a:rPr lang="en-US" smtClean="0"/>
-              <a:t>9/6/2023</a:t>
+              <a:t>9/13/2023</a:t>
             </a:fld>
             <a:endParaRPr lang="en-US"/>
           </a:p>
@@ -3838,7 +3838,7 @@
           <a:p>
             <a:fld id="{2425905D-C0C4-D040-B3F5-79CCA23FA4EB}" type="datetimeFigureOut">
               <a:rPr lang="en-US" smtClean="0"/>
-              <a:t>9/6/2023</a:t>
+              <a:t>9/13/2023</a:t>
             </a:fld>
             <a:endParaRPr lang="en-US"/>
           </a:p>
